--- a/MichalBaranski/Programuje-z-uzyciem-wyjatkow-Baranski.pptx
+++ b/MichalBaranski/Programuje-z-uzyciem-wyjatkow-Baranski.pptx
@@ -6,6 +6,7 @@
   </p:sldMasterIdLst>
   <p:sldIdLst>
     <p:sldId id="256" r:id="rId2"/>
+    <p:sldId id="257" r:id="rId3"/>
   </p:sldIdLst>
   <p:sldSz cx="12192000" cy="6858000"/>
   <p:notesSz cx="6858000" cy="9144000"/>
@@ -104,6 +105,11 @@
       </a:defRPr>
     </a:lvl9pPr>
   </p:defaultTextStyle>
+  <p:extLst>
+    <p:ext uri="{EFAFB233-063F-42B5-8137-9DF3F51BA10A}">
+      <p15:sldGuideLst xmlns:p15="http://schemas.microsoft.com/office/powerpoint/2012/main"/>
+    </p:ext>
+  </p:extLst>
 </p:presentation>
 </file>
 
@@ -254,7 +260,7 @@
           <a:p>
             <a:fld id="{8B27C37A-1EF0-4C47-98FB-06B2ABF9688D}" type="datetimeFigureOut">
               <a:rPr lang="pl-PL" smtClean="0"/>
-              <a:t>25.11.2022</a:t>
+              <a:t>02.12.2022</a:t>
             </a:fld>
             <a:endParaRPr lang="pl-PL"/>
           </a:p>
@@ -452,7 +458,7 @@
           <a:p>
             <a:fld id="{8B27C37A-1EF0-4C47-98FB-06B2ABF9688D}" type="datetimeFigureOut">
               <a:rPr lang="pl-PL" smtClean="0"/>
-              <a:t>25.11.2022</a:t>
+              <a:t>02.12.2022</a:t>
             </a:fld>
             <a:endParaRPr lang="pl-PL"/>
           </a:p>
@@ -660,7 +666,7 @@
           <a:p>
             <a:fld id="{8B27C37A-1EF0-4C47-98FB-06B2ABF9688D}" type="datetimeFigureOut">
               <a:rPr lang="pl-PL" smtClean="0"/>
-              <a:t>25.11.2022</a:t>
+              <a:t>02.12.2022</a:t>
             </a:fld>
             <a:endParaRPr lang="pl-PL"/>
           </a:p>
@@ -858,7 +864,7 @@
           <a:p>
             <a:fld id="{8B27C37A-1EF0-4C47-98FB-06B2ABF9688D}" type="datetimeFigureOut">
               <a:rPr lang="pl-PL" smtClean="0"/>
-              <a:t>25.11.2022</a:t>
+              <a:t>02.12.2022</a:t>
             </a:fld>
             <a:endParaRPr lang="pl-PL"/>
           </a:p>
@@ -1133,7 +1139,7 @@
           <a:p>
             <a:fld id="{8B27C37A-1EF0-4C47-98FB-06B2ABF9688D}" type="datetimeFigureOut">
               <a:rPr lang="pl-PL" smtClean="0"/>
-              <a:t>25.11.2022</a:t>
+              <a:t>02.12.2022</a:t>
             </a:fld>
             <a:endParaRPr lang="pl-PL"/>
           </a:p>
@@ -1398,7 +1404,7 @@
           <a:p>
             <a:fld id="{8B27C37A-1EF0-4C47-98FB-06B2ABF9688D}" type="datetimeFigureOut">
               <a:rPr lang="pl-PL" smtClean="0"/>
-              <a:t>25.11.2022</a:t>
+              <a:t>02.12.2022</a:t>
             </a:fld>
             <a:endParaRPr lang="pl-PL"/>
           </a:p>
@@ -1810,7 +1816,7 @@
           <a:p>
             <a:fld id="{8B27C37A-1EF0-4C47-98FB-06B2ABF9688D}" type="datetimeFigureOut">
               <a:rPr lang="pl-PL" smtClean="0"/>
-              <a:t>25.11.2022</a:t>
+              <a:t>02.12.2022</a:t>
             </a:fld>
             <a:endParaRPr lang="pl-PL"/>
           </a:p>
@@ -1951,7 +1957,7 @@
           <a:p>
             <a:fld id="{8B27C37A-1EF0-4C47-98FB-06B2ABF9688D}" type="datetimeFigureOut">
               <a:rPr lang="pl-PL" smtClean="0"/>
-              <a:t>25.11.2022</a:t>
+              <a:t>02.12.2022</a:t>
             </a:fld>
             <a:endParaRPr lang="pl-PL"/>
           </a:p>
@@ -2064,7 +2070,7 @@
           <a:p>
             <a:fld id="{8B27C37A-1EF0-4C47-98FB-06B2ABF9688D}" type="datetimeFigureOut">
               <a:rPr lang="pl-PL" smtClean="0"/>
-              <a:t>25.11.2022</a:t>
+              <a:t>02.12.2022</a:t>
             </a:fld>
             <a:endParaRPr lang="pl-PL"/>
           </a:p>
@@ -2375,7 +2381,7 @@
           <a:p>
             <a:fld id="{8B27C37A-1EF0-4C47-98FB-06B2ABF9688D}" type="datetimeFigureOut">
               <a:rPr lang="pl-PL" smtClean="0"/>
-              <a:t>25.11.2022</a:t>
+              <a:t>02.12.2022</a:t>
             </a:fld>
             <a:endParaRPr lang="pl-PL"/>
           </a:p>
@@ -2663,7 +2669,7 @@
           <a:p>
             <a:fld id="{8B27C37A-1EF0-4C47-98FB-06B2ABF9688D}" type="datetimeFigureOut">
               <a:rPr lang="pl-PL" smtClean="0"/>
-              <a:t>25.11.2022</a:t>
+              <a:t>02.12.2022</a:t>
             </a:fld>
             <a:endParaRPr lang="pl-PL"/>
           </a:p>
@@ -2904,7 +2910,7 @@
           <a:p>
             <a:fld id="{8B27C37A-1EF0-4C47-98FB-06B2ABF9688D}" type="datetimeFigureOut">
               <a:rPr lang="pl-PL" smtClean="0"/>
-              <a:t>25.11.2022</a:t>
+              <a:t>02.12.2022</a:t>
             </a:fld>
             <a:endParaRPr lang="pl-PL"/>
           </a:p>
@@ -3417,6 +3423,157 @@
 </p:sld>
 </file>
 
+<file path=ppt/slides/slide2.xml><?xml version="1.0" encoding="utf-8"?>
+<p:sld xmlns:a="http://schemas.openxmlformats.org/drawingml/2006/main" xmlns:r="http://schemas.openxmlformats.org/officeDocument/2006/relationships" xmlns:p="http://schemas.openxmlformats.org/presentationml/2006/main">
+  <p:cSld>
+    <p:spTree>
+      <p:nvGrpSpPr>
+        <p:cNvPr id="1" name=""/>
+        <p:cNvGrpSpPr/>
+        <p:nvPr/>
+      </p:nvGrpSpPr>
+      <p:grpSpPr>
+        <a:xfrm>
+          <a:off x="0" y="0"/>
+          <a:ext cx="0" cy="0"/>
+          <a:chOff x="0" y="0"/>
+          <a:chExt cx="0" cy="0"/>
+        </a:xfrm>
+      </p:grpSpPr>
+      <p:sp>
+        <p:nvSpPr>
+          <p:cNvPr id="2" name="Tytuł 1">
+            <a:extLst>
+              <a:ext uri="{FF2B5EF4-FFF2-40B4-BE49-F238E27FC236}">
+                <a16:creationId xmlns:a16="http://schemas.microsoft.com/office/drawing/2014/main" id="{C582215E-D769-4C09-9CB4-2105E3B96881}"/>
+              </a:ext>
+            </a:extLst>
+          </p:cNvPr>
+          <p:cNvSpPr>
+            <a:spLocks noGrp="1"/>
+          </p:cNvSpPr>
+          <p:nvPr>
+            <p:ph type="title"/>
+          </p:nvPr>
+        </p:nvSpPr>
+        <p:spPr/>
+        <p:txBody>
+          <a:bodyPr/>
+          <a:lstStyle/>
+          <a:p>
+            <a:pPr algn="ctr"/>
+            <a:r>
+              <a:rPr lang="pl-PL" dirty="0"/>
+              <a:t>Co to jest wyjątek w kodzie?</a:t>
+            </a:r>
+          </a:p>
+        </p:txBody>
+      </p:sp>
+      <p:sp>
+        <p:nvSpPr>
+          <p:cNvPr id="3" name="Symbol zastępczy zawartości 2">
+            <a:extLst>
+              <a:ext uri="{FF2B5EF4-FFF2-40B4-BE49-F238E27FC236}">
+                <a16:creationId xmlns:a16="http://schemas.microsoft.com/office/drawing/2014/main" id="{623F0BEB-55D5-4149-AE0C-1DB0BA96ECFB}"/>
+              </a:ext>
+            </a:extLst>
+          </p:cNvPr>
+          <p:cNvSpPr>
+            <a:spLocks noGrp="1"/>
+          </p:cNvSpPr>
+          <p:nvPr>
+            <p:ph idx="1"/>
+          </p:nvPr>
+        </p:nvSpPr>
+        <p:spPr/>
+        <p:txBody>
+          <a:bodyPr/>
+          <a:lstStyle/>
+          <a:p>
+            <a:pPr marL="0" indent="0">
+              <a:buNone/>
+            </a:pPr>
+            <a:r>
+              <a:rPr lang="pl-PL" dirty="0">
+                <a:latin typeface="+mj-lt"/>
+              </a:rPr>
+              <a:t>Idea obsługi wyjątków polega na tym, że </a:t>
+            </a:r>
+            <a:r>
+              <a:rPr lang="pl-PL" b="1" dirty="0">
+                <a:latin typeface="+mj-lt"/>
+              </a:rPr>
+              <a:t>funkcja, która napotkała problem, z którym nie potrafi sobie poradzić zgłasza wyjątek</a:t>
+            </a:r>
+            <a:r>
+              <a:rPr lang="pl-PL" dirty="0">
+                <a:latin typeface="+mj-lt"/>
+              </a:rPr>
+              <a:t>. Wyjątek jest przesyłany do miejsca wywołania funkcji. Tam może być wyłapany i obsłużony lub może być przesłany dalej (wyżej).</a:t>
+            </a:r>
+          </a:p>
+        </p:txBody>
+      </p:sp>
+      <p:pic>
+        <p:nvPicPr>
+          <p:cNvPr id="1026" name="Picture 2" descr="Globalna obsługa wyjątków w C# – ADMU Blog">
+            <a:extLst>
+              <a:ext uri="{FF2B5EF4-FFF2-40B4-BE49-F238E27FC236}">
+                <a16:creationId xmlns:a16="http://schemas.microsoft.com/office/drawing/2014/main" id="{8E44FE26-1B7E-4463-9081-785A7CDAF1D7}"/>
+              </a:ext>
+            </a:extLst>
+          </p:cNvPr>
+          <p:cNvPicPr>
+            <a:picLocks noChangeAspect="1" noChangeArrowheads="1"/>
+          </p:cNvPicPr>
+          <p:nvPr/>
+        </p:nvPicPr>
+        <p:blipFill>
+          <a:blip r:embed="rId2">
+            <a:extLst>
+              <a:ext uri="{28A0092B-C50C-407E-A947-70E740481C1C}">
+                <a14:useLocalDpi xmlns:a14="http://schemas.microsoft.com/office/drawing/2010/main" val="0"/>
+              </a:ext>
+            </a:extLst>
+          </a:blip>
+          <a:srcRect/>
+          <a:stretch>
+            <a:fillRect/>
+          </a:stretch>
+        </p:blipFill>
+        <p:spPr bwMode="auto">
+          <a:xfrm>
+            <a:off x="6527132" y="3549511"/>
+            <a:ext cx="4770271" cy="2869336"/>
+          </a:xfrm>
+          <a:prstGeom prst="rect">
+            <a:avLst/>
+          </a:prstGeom>
+          <a:noFill/>
+          <a:extLst>
+            <a:ext uri="{909E8E84-426E-40DD-AFC4-6F175D3DCCD1}">
+              <a14:hiddenFill xmlns:a14="http://schemas.microsoft.com/office/drawing/2010/main">
+                <a:solidFill>
+                  <a:srgbClr val="FFFFFF"/>
+                </a:solidFill>
+              </a14:hiddenFill>
+            </a:ext>
+          </a:extLst>
+        </p:spPr>
+      </p:pic>
+    </p:spTree>
+    <p:extLst>
+      <p:ext uri="{BB962C8B-B14F-4D97-AF65-F5344CB8AC3E}">
+        <p14:creationId xmlns:p14="http://schemas.microsoft.com/office/powerpoint/2010/main" val="252344010"/>
+      </p:ext>
+    </p:extLst>
+  </p:cSld>
+  <p:clrMapOvr>
+    <a:masterClrMapping/>
+  </p:clrMapOvr>
+</p:sld>
+</file>
+
 <file path=ppt/theme/theme1.xml><?xml version="1.0" encoding="utf-8"?>
 <a:theme xmlns:a="http://schemas.openxmlformats.org/drawingml/2006/main" name="Motyw pakietu Office">
   <a:themeElements>

--- a/MichalBaranski/Programuje-z-uzyciem-wyjatkow-Baranski.pptx
+++ b/MichalBaranski/Programuje-z-uzyciem-wyjatkow-Baranski.pptx
@@ -7,6 +7,13 @@
   <p:sldIdLst>
     <p:sldId id="256" r:id="rId2"/>
     <p:sldId id="257" r:id="rId3"/>
+    <p:sldId id="258" r:id="rId4"/>
+    <p:sldId id="259" r:id="rId5"/>
+    <p:sldId id="260" r:id="rId6"/>
+    <p:sldId id="261" r:id="rId7"/>
+    <p:sldId id="262" r:id="rId8"/>
+    <p:sldId id="263" r:id="rId9"/>
+    <p:sldId id="264" r:id="rId10"/>
   </p:sldIdLst>
   <p:sldSz cx="12192000" cy="6858000"/>
   <p:notesSz cx="6858000" cy="9144000"/>
@@ -260,7 +267,7 @@
           <a:p>
             <a:fld id="{8B27C37A-1EF0-4C47-98FB-06B2ABF9688D}" type="datetimeFigureOut">
               <a:rPr lang="pl-PL" smtClean="0"/>
-              <a:t>02.12.2022</a:t>
+              <a:t>09.12.2022</a:t>
             </a:fld>
             <a:endParaRPr lang="pl-PL"/>
           </a:p>
@@ -458,7 +465,7 @@
           <a:p>
             <a:fld id="{8B27C37A-1EF0-4C47-98FB-06B2ABF9688D}" type="datetimeFigureOut">
               <a:rPr lang="pl-PL" smtClean="0"/>
-              <a:t>02.12.2022</a:t>
+              <a:t>09.12.2022</a:t>
             </a:fld>
             <a:endParaRPr lang="pl-PL"/>
           </a:p>
@@ -666,7 +673,7 @@
           <a:p>
             <a:fld id="{8B27C37A-1EF0-4C47-98FB-06B2ABF9688D}" type="datetimeFigureOut">
               <a:rPr lang="pl-PL" smtClean="0"/>
-              <a:t>02.12.2022</a:t>
+              <a:t>09.12.2022</a:t>
             </a:fld>
             <a:endParaRPr lang="pl-PL"/>
           </a:p>
@@ -864,7 +871,7 @@
           <a:p>
             <a:fld id="{8B27C37A-1EF0-4C47-98FB-06B2ABF9688D}" type="datetimeFigureOut">
               <a:rPr lang="pl-PL" smtClean="0"/>
-              <a:t>02.12.2022</a:t>
+              <a:t>09.12.2022</a:t>
             </a:fld>
             <a:endParaRPr lang="pl-PL"/>
           </a:p>
@@ -1139,7 +1146,7 @@
           <a:p>
             <a:fld id="{8B27C37A-1EF0-4C47-98FB-06B2ABF9688D}" type="datetimeFigureOut">
               <a:rPr lang="pl-PL" smtClean="0"/>
-              <a:t>02.12.2022</a:t>
+              <a:t>09.12.2022</a:t>
             </a:fld>
             <a:endParaRPr lang="pl-PL"/>
           </a:p>
@@ -1404,7 +1411,7 @@
           <a:p>
             <a:fld id="{8B27C37A-1EF0-4C47-98FB-06B2ABF9688D}" type="datetimeFigureOut">
               <a:rPr lang="pl-PL" smtClean="0"/>
-              <a:t>02.12.2022</a:t>
+              <a:t>09.12.2022</a:t>
             </a:fld>
             <a:endParaRPr lang="pl-PL"/>
           </a:p>
@@ -1816,7 +1823,7 @@
           <a:p>
             <a:fld id="{8B27C37A-1EF0-4C47-98FB-06B2ABF9688D}" type="datetimeFigureOut">
               <a:rPr lang="pl-PL" smtClean="0"/>
-              <a:t>02.12.2022</a:t>
+              <a:t>09.12.2022</a:t>
             </a:fld>
             <a:endParaRPr lang="pl-PL"/>
           </a:p>
@@ -1957,7 +1964,7 @@
           <a:p>
             <a:fld id="{8B27C37A-1EF0-4C47-98FB-06B2ABF9688D}" type="datetimeFigureOut">
               <a:rPr lang="pl-PL" smtClean="0"/>
-              <a:t>02.12.2022</a:t>
+              <a:t>09.12.2022</a:t>
             </a:fld>
             <a:endParaRPr lang="pl-PL"/>
           </a:p>
@@ -2070,7 +2077,7 @@
           <a:p>
             <a:fld id="{8B27C37A-1EF0-4C47-98FB-06B2ABF9688D}" type="datetimeFigureOut">
               <a:rPr lang="pl-PL" smtClean="0"/>
-              <a:t>02.12.2022</a:t>
+              <a:t>09.12.2022</a:t>
             </a:fld>
             <a:endParaRPr lang="pl-PL"/>
           </a:p>
@@ -2381,7 +2388,7 @@
           <a:p>
             <a:fld id="{8B27C37A-1EF0-4C47-98FB-06B2ABF9688D}" type="datetimeFigureOut">
               <a:rPr lang="pl-PL" smtClean="0"/>
-              <a:t>02.12.2022</a:t>
+              <a:t>09.12.2022</a:t>
             </a:fld>
             <a:endParaRPr lang="pl-PL"/>
           </a:p>
@@ -2669,7 +2676,7 @@
           <a:p>
             <a:fld id="{8B27C37A-1EF0-4C47-98FB-06B2ABF9688D}" type="datetimeFigureOut">
               <a:rPr lang="pl-PL" smtClean="0"/>
-              <a:t>02.12.2022</a:t>
+              <a:t>09.12.2022</a:t>
             </a:fld>
             <a:endParaRPr lang="pl-PL"/>
           </a:p>
@@ -2910,7 +2917,7 @@
           <a:p>
             <a:fld id="{8B27C37A-1EF0-4C47-98FB-06B2ABF9688D}" type="datetimeFigureOut">
               <a:rPr lang="pl-PL" smtClean="0"/>
-              <a:t>02.12.2022</a:t>
+              <a:t>09.12.2022</a:t>
             </a:fld>
             <a:endParaRPr lang="pl-PL"/>
           </a:p>
@@ -3574,6 +3581,2715 @@
 </p:sld>
 </file>
 
+<file path=ppt/slides/slide3.xml><?xml version="1.0" encoding="utf-8"?>
+<p:sld xmlns:a="http://schemas.openxmlformats.org/drawingml/2006/main" xmlns:r="http://schemas.openxmlformats.org/officeDocument/2006/relationships" xmlns:p="http://schemas.openxmlformats.org/presentationml/2006/main">
+  <p:cSld>
+    <p:spTree>
+      <p:nvGrpSpPr>
+        <p:cNvPr id="1" name=""/>
+        <p:cNvGrpSpPr/>
+        <p:nvPr/>
+      </p:nvGrpSpPr>
+      <p:grpSpPr>
+        <a:xfrm>
+          <a:off x="0" y="0"/>
+          <a:ext cx="0" cy="0"/>
+          <a:chOff x="0" y="0"/>
+          <a:chExt cx="0" cy="0"/>
+        </a:xfrm>
+      </p:grpSpPr>
+      <p:sp>
+        <p:nvSpPr>
+          <p:cNvPr id="2" name="Tytuł 1">
+            <a:extLst>
+              <a:ext uri="{FF2B5EF4-FFF2-40B4-BE49-F238E27FC236}">
+                <a16:creationId xmlns:a16="http://schemas.microsoft.com/office/drawing/2014/main" id="{5571FF10-3444-4807-BCAF-EEAFB328D46E}"/>
+              </a:ext>
+            </a:extLst>
+          </p:cNvPr>
+          <p:cNvSpPr>
+            <a:spLocks noGrp="1"/>
+          </p:cNvSpPr>
+          <p:nvPr>
+            <p:ph type="title"/>
+          </p:nvPr>
+        </p:nvSpPr>
+        <p:spPr/>
+        <p:txBody>
+          <a:bodyPr/>
+          <a:lstStyle/>
+          <a:p>
+            <a:pPr algn="ctr"/>
+            <a:r>
+              <a:rPr lang="pl-PL" dirty="0"/>
+              <a:t>Blok </a:t>
+            </a:r>
+            <a:r>
+              <a:rPr lang="pl-PL" b="1" dirty="0" err="1"/>
+              <a:t>Try</a:t>
+            </a:r>
+            <a:r>
+              <a:rPr lang="pl-PL" b="1" dirty="0"/>
+              <a:t>…..</a:t>
+            </a:r>
+            <a:r>
+              <a:rPr lang="pl-PL" b="1" dirty="0" err="1"/>
+              <a:t>Catch</a:t>
+            </a:r>
+            <a:endParaRPr lang="pl-PL" b="1" dirty="0"/>
+          </a:p>
+        </p:txBody>
+      </p:sp>
+      <p:sp>
+        <p:nvSpPr>
+          <p:cNvPr id="3" name="Symbol zastępczy zawartości 2">
+            <a:extLst>
+              <a:ext uri="{FF2B5EF4-FFF2-40B4-BE49-F238E27FC236}">
+                <a16:creationId xmlns:a16="http://schemas.microsoft.com/office/drawing/2014/main" id="{29DED049-B6C8-48D2-A666-10C69A419DA9}"/>
+              </a:ext>
+            </a:extLst>
+          </p:cNvPr>
+          <p:cNvSpPr>
+            <a:spLocks noGrp="1"/>
+          </p:cNvSpPr>
+          <p:nvPr>
+            <p:ph idx="1"/>
+          </p:nvPr>
+        </p:nvSpPr>
+        <p:spPr/>
+        <p:txBody>
+          <a:bodyPr/>
+          <a:lstStyle/>
+          <a:p>
+            <a:pPr marL="0" indent="0">
+              <a:buNone/>
+            </a:pPr>
+            <a:r>
+              <a:rPr lang="pl-PL" dirty="0" err="1"/>
+              <a:t>Try</a:t>
+            </a:r>
+            <a:endParaRPr lang="pl-PL" dirty="0"/>
+          </a:p>
+          <a:p>
+            <a:pPr marL="0" indent="0">
+              <a:buNone/>
+            </a:pPr>
+            <a:r>
+              <a:rPr lang="pl-PL" dirty="0"/>
+              <a:t>{ </a:t>
+            </a:r>
+          </a:p>
+          <a:p>
+            <a:pPr marL="0" indent="0">
+              <a:buNone/>
+            </a:pPr>
+            <a:r>
+              <a:rPr lang="pl-PL" i="1" dirty="0"/>
+              <a:t>	</a:t>
+            </a:r>
+            <a:r>
+              <a:rPr lang="pl-PL" sz="2400" i="1" dirty="0"/>
+              <a:t>//kod który może wywołać błąd podczas działania programu</a:t>
+            </a:r>
+            <a:endParaRPr lang="pl-PL" i="1" dirty="0"/>
+          </a:p>
+          <a:p>
+            <a:pPr marL="0" indent="0">
+              <a:buNone/>
+            </a:pPr>
+            <a:r>
+              <a:rPr lang="pl-PL" dirty="0"/>
+              <a:t>} </a:t>
+            </a:r>
+          </a:p>
+          <a:p>
+            <a:pPr marL="0" indent="0">
+              <a:buNone/>
+            </a:pPr>
+            <a:r>
+              <a:rPr lang="pl-PL" dirty="0" err="1"/>
+              <a:t>catch</a:t>
+            </a:r>
+            <a:r>
+              <a:rPr lang="pl-PL" dirty="0"/>
+              <a:t> </a:t>
+            </a:r>
+          </a:p>
+          <a:p>
+            <a:pPr marL="0" indent="0">
+              <a:buNone/>
+            </a:pPr>
+            <a:r>
+              <a:rPr lang="pl-PL" dirty="0"/>
+              <a:t>{ </a:t>
+            </a:r>
+          </a:p>
+          <a:p>
+            <a:pPr marL="0" indent="0">
+              <a:buNone/>
+            </a:pPr>
+            <a:r>
+              <a:rPr lang="pl-PL" i="1" dirty="0"/>
+              <a:t>	</a:t>
+            </a:r>
+            <a:r>
+              <a:rPr lang="pl-PL" sz="2400" i="1" dirty="0"/>
+              <a:t>//strefa przechwycenia wyjątku z bloku </a:t>
+            </a:r>
+            <a:r>
+              <a:rPr lang="pl-PL" sz="2400" i="1" dirty="0" err="1"/>
+              <a:t>try</a:t>
+            </a:r>
+            <a:endParaRPr lang="pl-PL" i="1" dirty="0"/>
+          </a:p>
+          <a:p>
+            <a:pPr marL="0" indent="0">
+              <a:buNone/>
+            </a:pPr>
+            <a:r>
+              <a:rPr lang="pl-PL" dirty="0"/>
+              <a:t>}</a:t>
+            </a:r>
+          </a:p>
+        </p:txBody>
+      </p:sp>
+    </p:spTree>
+    <p:extLst>
+      <p:ext uri="{BB962C8B-B14F-4D97-AF65-F5344CB8AC3E}">
+        <p14:creationId xmlns:p14="http://schemas.microsoft.com/office/powerpoint/2010/main" val="2370803897"/>
+      </p:ext>
+    </p:extLst>
+  </p:cSld>
+  <p:clrMapOvr>
+    <a:masterClrMapping/>
+  </p:clrMapOvr>
+</p:sld>
+</file>
+
+<file path=ppt/slides/slide4.xml><?xml version="1.0" encoding="utf-8"?>
+<p:sld xmlns:a="http://schemas.openxmlformats.org/drawingml/2006/main" xmlns:r="http://schemas.openxmlformats.org/officeDocument/2006/relationships" xmlns:p="http://schemas.openxmlformats.org/presentationml/2006/main">
+  <p:cSld>
+    <p:spTree>
+      <p:nvGrpSpPr>
+        <p:cNvPr id="1" name=""/>
+        <p:cNvGrpSpPr/>
+        <p:nvPr/>
+      </p:nvGrpSpPr>
+      <p:grpSpPr>
+        <a:xfrm>
+          <a:off x="0" y="0"/>
+          <a:ext cx="0" cy="0"/>
+          <a:chOff x="0" y="0"/>
+          <a:chExt cx="0" cy="0"/>
+        </a:xfrm>
+      </p:grpSpPr>
+      <p:sp>
+        <p:nvSpPr>
+          <p:cNvPr id="2" name="Tytuł 1">
+            <a:extLst>
+              <a:ext uri="{FF2B5EF4-FFF2-40B4-BE49-F238E27FC236}">
+                <a16:creationId xmlns:a16="http://schemas.microsoft.com/office/drawing/2014/main" id="{BB8435B3-867B-4C2C-A601-D7D083C4D238}"/>
+              </a:ext>
+            </a:extLst>
+          </p:cNvPr>
+          <p:cNvSpPr>
+            <a:spLocks noGrp="1"/>
+          </p:cNvSpPr>
+          <p:nvPr>
+            <p:ph type="title"/>
+          </p:nvPr>
+        </p:nvSpPr>
+        <p:spPr>
+          <a:xfrm>
+            <a:off x="838200" y="0"/>
+            <a:ext cx="10515600" cy="993869"/>
+          </a:xfrm>
+        </p:spPr>
+        <p:txBody>
+          <a:bodyPr>
+            <a:normAutofit/>
+          </a:bodyPr>
+          <a:lstStyle/>
+          <a:p>
+            <a:pPr algn="ctr"/>
+            <a:r>
+              <a:rPr lang="pl-PL" sz="3200" b="1" dirty="0"/>
+              <a:t>Przykład</a:t>
+            </a:r>
+            <a:endParaRPr lang="pl-PL" sz="4000" b="1" dirty="0"/>
+          </a:p>
+        </p:txBody>
+      </p:sp>
+      <p:sp>
+        <p:nvSpPr>
+          <p:cNvPr id="3" name="Symbol zastępczy zawartości 2">
+            <a:extLst>
+              <a:ext uri="{FF2B5EF4-FFF2-40B4-BE49-F238E27FC236}">
+                <a16:creationId xmlns:a16="http://schemas.microsoft.com/office/drawing/2014/main" id="{20A9DB6A-EEC9-4AE2-AD07-04FBF122A13C}"/>
+              </a:ext>
+            </a:extLst>
+          </p:cNvPr>
+          <p:cNvSpPr>
+            <a:spLocks noGrp="1"/>
+          </p:cNvSpPr>
+          <p:nvPr>
+            <p:ph idx="1"/>
+          </p:nvPr>
+        </p:nvSpPr>
+        <p:spPr>
+          <a:xfrm>
+            <a:off x="2057399" y="993869"/>
+            <a:ext cx="5132294" cy="5864131"/>
+          </a:xfrm>
+        </p:spPr>
+        <p:txBody>
+          <a:bodyPr>
+            <a:noAutofit/>
+          </a:bodyPr>
+          <a:lstStyle/>
+          <a:p>
+            <a:pPr marL="0" indent="0">
+              <a:lnSpc>
+                <a:spcPct val="120000"/>
+              </a:lnSpc>
+              <a:spcBef>
+                <a:spcPts val="300"/>
+              </a:spcBef>
+              <a:buNone/>
+            </a:pPr>
+            <a:r>
+              <a:rPr lang="pl-PL" sz="1000" b="1" dirty="0" err="1">
+                <a:latin typeface="Arial" panose="020B0604020202020204" pitchFamily="34" charset="0"/>
+                <a:cs typeface="Arial" panose="020B0604020202020204" pitchFamily="34" charset="0"/>
+              </a:rPr>
+              <a:t>Console.WriteLine</a:t>
+            </a:r>
+            <a:r>
+              <a:rPr lang="pl-PL" sz="1000" dirty="0">
+                <a:latin typeface="Arial" panose="020B0604020202020204" pitchFamily="34" charset="0"/>
+                <a:cs typeface="Arial" panose="020B0604020202020204" pitchFamily="34" charset="0"/>
+              </a:rPr>
+              <a:t>("Podaj dwie liczby");</a:t>
+            </a:r>
+          </a:p>
+          <a:p>
+            <a:pPr marL="0" indent="0">
+              <a:lnSpc>
+                <a:spcPct val="120000"/>
+              </a:lnSpc>
+              <a:spcBef>
+                <a:spcPts val="300"/>
+              </a:spcBef>
+              <a:buNone/>
+            </a:pPr>
+            <a:r>
+              <a:rPr lang="pl-PL" sz="1000" b="1" dirty="0" err="1">
+                <a:latin typeface="Arial" panose="020B0604020202020204" pitchFamily="34" charset="0"/>
+                <a:cs typeface="Arial" panose="020B0604020202020204" pitchFamily="34" charset="0"/>
+              </a:rPr>
+              <a:t>try</a:t>
+            </a:r>
+            <a:endParaRPr lang="pl-PL" sz="1000" b="1" dirty="0">
+              <a:latin typeface="Arial" panose="020B0604020202020204" pitchFamily="34" charset="0"/>
+              <a:cs typeface="Arial" panose="020B0604020202020204" pitchFamily="34" charset="0"/>
+            </a:endParaRPr>
+          </a:p>
+          <a:p>
+            <a:pPr marL="0" indent="0">
+              <a:lnSpc>
+                <a:spcPct val="120000"/>
+              </a:lnSpc>
+              <a:spcBef>
+                <a:spcPts val="300"/>
+              </a:spcBef>
+              <a:buNone/>
+            </a:pPr>
+            <a:r>
+              <a:rPr lang="pl-PL" sz="1000" dirty="0">
+                <a:latin typeface="Arial" panose="020B0604020202020204" pitchFamily="34" charset="0"/>
+                <a:cs typeface="Arial" panose="020B0604020202020204" pitchFamily="34" charset="0"/>
+              </a:rPr>
+              <a:t>{</a:t>
+            </a:r>
+          </a:p>
+          <a:p>
+            <a:pPr marL="0" indent="0">
+              <a:lnSpc>
+                <a:spcPct val="120000"/>
+              </a:lnSpc>
+              <a:spcBef>
+                <a:spcPts val="300"/>
+              </a:spcBef>
+              <a:buNone/>
+            </a:pPr>
+            <a:r>
+              <a:rPr lang="pl-PL" sz="1000" dirty="0">
+                <a:latin typeface="Arial" panose="020B0604020202020204" pitchFamily="34" charset="0"/>
+                <a:cs typeface="Arial" panose="020B0604020202020204" pitchFamily="34" charset="0"/>
+              </a:rPr>
+              <a:t>    string x = </a:t>
+            </a:r>
+            <a:r>
+              <a:rPr lang="pl-PL" sz="1000" dirty="0" err="1">
+                <a:latin typeface="Arial" panose="020B0604020202020204" pitchFamily="34" charset="0"/>
+                <a:cs typeface="Arial" panose="020B0604020202020204" pitchFamily="34" charset="0"/>
+              </a:rPr>
+              <a:t>Console.ReadLine</a:t>
+            </a:r>
+            <a:r>
+              <a:rPr lang="pl-PL" sz="1000" dirty="0">
+                <a:latin typeface="Arial" panose="020B0604020202020204" pitchFamily="34" charset="0"/>
+                <a:cs typeface="Arial" panose="020B0604020202020204" pitchFamily="34" charset="0"/>
+              </a:rPr>
+              <a:t>();</a:t>
+            </a:r>
+          </a:p>
+          <a:p>
+            <a:pPr marL="0" indent="0">
+              <a:lnSpc>
+                <a:spcPct val="120000"/>
+              </a:lnSpc>
+              <a:spcBef>
+                <a:spcPts val="300"/>
+              </a:spcBef>
+              <a:buNone/>
+            </a:pPr>
+            <a:r>
+              <a:rPr lang="pl-PL" sz="1000" dirty="0">
+                <a:latin typeface="Arial" panose="020B0604020202020204" pitchFamily="34" charset="0"/>
+                <a:cs typeface="Arial" panose="020B0604020202020204" pitchFamily="34" charset="0"/>
+              </a:rPr>
+              <a:t>    </a:t>
+            </a:r>
+            <a:r>
+              <a:rPr lang="pl-PL" sz="1000" dirty="0" err="1">
+                <a:latin typeface="Arial" panose="020B0604020202020204" pitchFamily="34" charset="0"/>
+                <a:cs typeface="Arial" panose="020B0604020202020204" pitchFamily="34" charset="0"/>
+              </a:rPr>
+              <a:t>int</a:t>
+            </a:r>
+            <a:r>
+              <a:rPr lang="pl-PL" sz="1000" dirty="0">
+                <a:latin typeface="Arial" panose="020B0604020202020204" pitchFamily="34" charset="0"/>
+                <a:cs typeface="Arial" panose="020B0604020202020204" pitchFamily="34" charset="0"/>
+              </a:rPr>
+              <a:t> xx = </a:t>
+            </a:r>
+            <a:r>
+              <a:rPr lang="pl-PL" sz="1000" dirty="0" err="1">
+                <a:latin typeface="Arial" panose="020B0604020202020204" pitchFamily="34" charset="0"/>
+                <a:cs typeface="Arial" panose="020B0604020202020204" pitchFamily="34" charset="0"/>
+              </a:rPr>
+              <a:t>int.Parse</a:t>
+            </a:r>
+            <a:r>
+              <a:rPr lang="pl-PL" sz="1000" dirty="0">
+                <a:latin typeface="Arial" panose="020B0604020202020204" pitchFamily="34" charset="0"/>
+                <a:cs typeface="Arial" panose="020B0604020202020204" pitchFamily="34" charset="0"/>
+              </a:rPr>
+              <a:t>(x);</a:t>
+            </a:r>
+          </a:p>
+          <a:p>
+            <a:pPr marL="0" indent="0">
+              <a:lnSpc>
+                <a:spcPct val="120000"/>
+              </a:lnSpc>
+              <a:spcBef>
+                <a:spcPts val="300"/>
+              </a:spcBef>
+              <a:buNone/>
+            </a:pPr>
+            <a:r>
+              <a:rPr lang="pl-PL" sz="1000" dirty="0">
+                <a:latin typeface="Arial" panose="020B0604020202020204" pitchFamily="34" charset="0"/>
+                <a:cs typeface="Arial" panose="020B0604020202020204" pitchFamily="34" charset="0"/>
+              </a:rPr>
+              <a:t>    string y = </a:t>
+            </a:r>
+            <a:r>
+              <a:rPr lang="pl-PL" sz="1000" dirty="0" err="1">
+                <a:latin typeface="Arial" panose="020B0604020202020204" pitchFamily="34" charset="0"/>
+                <a:cs typeface="Arial" panose="020B0604020202020204" pitchFamily="34" charset="0"/>
+              </a:rPr>
+              <a:t>Console.ReadLine</a:t>
+            </a:r>
+            <a:r>
+              <a:rPr lang="pl-PL" sz="1000" dirty="0">
+                <a:latin typeface="Arial" panose="020B0604020202020204" pitchFamily="34" charset="0"/>
+                <a:cs typeface="Arial" panose="020B0604020202020204" pitchFamily="34" charset="0"/>
+              </a:rPr>
+              <a:t>();</a:t>
+            </a:r>
+          </a:p>
+          <a:p>
+            <a:pPr marL="0" indent="0">
+              <a:lnSpc>
+                <a:spcPct val="120000"/>
+              </a:lnSpc>
+              <a:spcBef>
+                <a:spcPts val="300"/>
+              </a:spcBef>
+              <a:buNone/>
+            </a:pPr>
+            <a:r>
+              <a:rPr lang="pl-PL" sz="1000" dirty="0">
+                <a:latin typeface="Arial" panose="020B0604020202020204" pitchFamily="34" charset="0"/>
+                <a:cs typeface="Arial" panose="020B0604020202020204" pitchFamily="34" charset="0"/>
+              </a:rPr>
+              <a:t>    </a:t>
+            </a:r>
+            <a:r>
+              <a:rPr lang="pl-PL" sz="1000" dirty="0" err="1">
+                <a:latin typeface="Arial" panose="020B0604020202020204" pitchFamily="34" charset="0"/>
+                <a:cs typeface="Arial" panose="020B0604020202020204" pitchFamily="34" charset="0"/>
+              </a:rPr>
+              <a:t>int</a:t>
+            </a:r>
+            <a:r>
+              <a:rPr lang="pl-PL" sz="1000" dirty="0">
+                <a:latin typeface="Arial" panose="020B0604020202020204" pitchFamily="34" charset="0"/>
+                <a:cs typeface="Arial" panose="020B0604020202020204" pitchFamily="34" charset="0"/>
+              </a:rPr>
+              <a:t> </a:t>
+            </a:r>
+            <a:r>
+              <a:rPr lang="pl-PL" sz="1000" dirty="0" err="1">
+                <a:latin typeface="Arial" panose="020B0604020202020204" pitchFamily="34" charset="0"/>
+                <a:cs typeface="Arial" panose="020B0604020202020204" pitchFamily="34" charset="0"/>
+              </a:rPr>
+              <a:t>yy</a:t>
+            </a:r>
+            <a:r>
+              <a:rPr lang="pl-PL" sz="1000" dirty="0">
+                <a:latin typeface="Arial" panose="020B0604020202020204" pitchFamily="34" charset="0"/>
+                <a:cs typeface="Arial" panose="020B0604020202020204" pitchFamily="34" charset="0"/>
+              </a:rPr>
+              <a:t> = </a:t>
+            </a:r>
+            <a:r>
+              <a:rPr lang="pl-PL" sz="1000" dirty="0" err="1">
+                <a:latin typeface="Arial" panose="020B0604020202020204" pitchFamily="34" charset="0"/>
+                <a:cs typeface="Arial" panose="020B0604020202020204" pitchFamily="34" charset="0"/>
+              </a:rPr>
+              <a:t>int.Parse</a:t>
+            </a:r>
+            <a:r>
+              <a:rPr lang="pl-PL" sz="1000" dirty="0">
+                <a:latin typeface="Arial" panose="020B0604020202020204" pitchFamily="34" charset="0"/>
+                <a:cs typeface="Arial" panose="020B0604020202020204" pitchFamily="34" charset="0"/>
+              </a:rPr>
+              <a:t>(y);</a:t>
+            </a:r>
+          </a:p>
+          <a:p>
+            <a:pPr marL="0" indent="0">
+              <a:lnSpc>
+                <a:spcPct val="120000"/>
+              </a:lnSpc>
+              <a:spcBef>
+                <a:spcPts val="300"/>
+              </a:spcBef>
+              <a:buNone/>
+            </a:pPr>
+            <a:r>
+              <a:rPr lang="pl-PL" sz="1000" dirty="0">
+                <a:latin typeface="Arial" panose="020B0604020202020204" pitchFamily="34" charset="0"/>
+                <a:cs typeface="Arial" panose="020B0604020202020204" pitchFamily="34" charset="0"/>
+              </a:rPr>
+              <a:t>    </a:t>
+            </a:r>
+            <a:r>
+              <a:rPr lang="pl-PL" sz="1000" dirty="0" err="1">
+                <a:latin typeface="Arial" panose="020B0604020202020204" pitchFamily="34" charset="0"/>
+                <a:cs typeface="Arial" panose="020B0604020202020204" pitchFamily="34" charset="0"/>
+              </a:rPr>
+              <a:t>Console.WriteLine</a:t>
+            </a:r>
+            <a:r>
+              <a:rPr lang="pl-PL" sz="1000" dirty="0">
+                <a:latin typeface="Arial" panose="020B0604020202020204" pitchFamily="34" charset="0"/>
+                <a:cs typeface="Arial" panose="020B0604020202020204" pitchFamily="34" charset="0"/>
+              </a:rPr>
+              <a:t>(xx/</a:t>
+            </a:r>
+            <a:r>
+              <a:rPr lang="pl-PL" sz="1000" dirty="0" err="1">
+                <a:latin typeface="Arial" panose="020B0604020202020204" pitchFamily="34" charset="0"/>
+                <a:cs typeface="Arial" panose="020B0604020202020204" pitchFamily="34" charset="0"/>
+              </a:rPr>
+              <a:t>yy</a:t>
+            </a:r>
+            <a:r>
+              <a:rPr lang="pl-PL" sz="1000" dirty="0">
+                <a:latin typeface="Arial" panose="020B0604020202020204" pitchFamily="34" charset="0"/>
+                <a:cs typeface="Arial" panose="020B0604020202020204" pitchFamily="34" charset="0"/>
+              </a:rPr>
+              <a:t>);</a:t>
+            </a:r>
+          </a:p>
+          <a:p>
+            <a:pPr marL="0" indent="0">
+              <a:lnSpc>
+                <a:spcPct val="120000"/>
+              </a:lnSpc>
+              <a:spcBef>
+                <a:spcPts val="300"/>
+              </a:spcBef>
+              <a:buNone/>
+            </a:pPr>
+            <a:endParaRPr lang="pl-PL" sz="1000" dirty="0">
+              <a:latin typeface="Arial" panose="020B0604020202020204" pitchFamily="34" charset="0"/>
+              <a:cs typeface="Arial" panose="020B0604020202020204" pitchFamily="34" charset="0"/>
+            </a:endParaRPr>
+          </a:p>
+          <a:p>
+            <a:pPr marL="0" indent="0">
+              <a:lnSpc>
+                <a:spcPct val="120000"/>
+              </a:lnSpc>
+              <a:spcBef>
+                <a:spcPts val="300"/>
+              </a:spcBef>
+              <a:buNone/>
+            </a:pPr>
+            <a:r>
+              <a:rPr lang="pl-PL" sz="1000" dirty="0">
+                <a:latin typeface="Arial" panose="020B0604020202020204" pitchFamily="34" charset="0"/>
+                <a:cs typeface="Arial" panose="020B0604020202020204" pitchFamily="34" charset="0"/>
+              </a:rPr>
+              <a:t>}</a:t>
+            </a:r>
+          </a:p>
+          <a:p>
+            <a:pPr marL="0" indent="0">
+              <a:lnSpc>
+                <a:spcPct val="120000"/>
+              </a:lnSpc>
+              <a:spcBef>
+                <a:spcPts val="300"/>
+              </a:spcBef>
+              <a:buNone/>
+            </a:pPr>
+            <a:r>
+              <a:rPr lang="pl-PL" sz="1000" b="1" dirty="0" err="1">
+                <a:latin typeface="Arial" panose="020B0604020202020204" pitchFamily="34" charset="0"/>
+                <a:cs typeface="Arial" panose="020B0604020202020204" pitchFamily="34" charset="0"/>
+              </a:rPr>
+              <a:t>catch</a:t>
+            </a:r>
+            <a:r>
+              <a:rPr lang="pl-PL" sz="1000" dirty="0">
+                <a:latin typeface="Arial" panose="020B0604020202020204" pitchFamily="34" charset="0"/>
+                <a:cs typeface="Arial" panose="020B0604020202020204" pitchFamily="34" charset="0"/>
+              </a:rPr>
+              <a:t> (</a:t>
+            </a:r>
+            <a:r>
+              <a:rPr lang="pl-PL" sz="1000" dirty="0" err="1">
+                <a:latin typeface="Arial" panose="020B0604020202020204" pitchFamily="34" charset="0"/>
+                <a:cs typeface="Arial" panose="020B0604020202020204" pitchFamily="34" charset="0"/>
+              </a:rPr>
+              <a:t>FormatException</a:t>
+            </a:r>
+            <a:r>
+              <a:rPr lang="pl-PL" sz="1000" dirty="0">
+                <a:latin typeface="Arial" panose="020B0604020202020204" pitchFamily="34" charset="0"/>
+                <a:cs typeface="Arial" panose="020B0604020202020204" pitchFamily="34" charset="0"/>
+              </a:rPr>
+              <a:t> </a:t>
+            </a:r>
+            <a:r>
+              <a:rPr lang="pl-PL" sz="1000" dirty="0" err="1">
+                <a:latin typeface="Arial" panose="020B0604020202020204" pitchFamily="34" charset="0"/>
+                <a:cs typeface="Arial" panose="020B0604020202020204" pitchFamily="34" charset="0"/>
+              </a:rPr>
+              <a:t>fEx</a:t>
+            </a:r>
+            <a:r>
+              <a:rPr lang="pl-PL" sz="1000" dirty="0">
+                <a:latin typeface="Arial" panose="020B0604020202020204" pitchFamily="34" charset="0"/>
+                <a:cs typeface="Arial" panose="020B0604020202020204" pitchFamily="34" charset="0"/>
+              </a:rPr>
+              <a:t>)</a:t>
+            </a:r>
+          </a:p>
+          <a:p>
+            <a:pPr marL="0" indent="0">
+              <a:lnSpc>
+                <a:spcPct val="120000"/>
+              </a:lnSpc>
+              <a:spcBef>
+                <a:spcPts val="300"/>
+              </a:spcBef>
+              <a:buNone/>
+            </a:pPr>
+            <a:r>
+              <a:rPr lang="pl-PL" sz="1000" dirty="0">
+                <a:latin typeface="Arial" panose="020B0604020202020204" pitchFamily="34" charset="0"/>
+                <a:cs typeface="Arial" panose="020B0604020202020204" pitchFamily="34" charset="0"/>
+              </a:rPr>
+              <a:t>{</a:t>
+            </a:r>
+          </a:p>
+          <a:p>
+            <a:pPr marL="0" indent="0">
+              <a:lnSpc>
+                <a:spcPct val="120000"/>
+              </a:lnSpc>
+              <a:spcBef>
+                <a:spcPts val="300"/>
+              </a:spcBef>
+              <a:buNone/>
+            </a:pPr>
+            <a:r>
+              <a:rPr lang="pl-PL" sz="1000" dirty="0">
+                <a:latin typeface="Arial" panose="020B0604020202020204" pitchFamily="34" charset="0"/>
+                <a:cs typeface="Arial" panose="020B0604020202020204" pitchFamily="34" charset="0"/>
+              </a:rPr>
+              <a:t>    </a:t>
+            </a:r>
+            <a:r>
+              <a:rPr lang="pl-PL" sz="1000" dirty="0" err="1">
+                <a:latin typeface="Arial" panose="020B0604020202020204" pitchFamily="34" charset="0"/>
+                <a:cs typeface="Arial" panose="020B0604020202020204" pitchFamily="34" charset="0"/>
+              </a:rPr>
+              <a:t>Console.WriteLine</a:t>
+            </a:r>
+            <a:r>
+              <a:rPr lang="pl-PL" sz="1000" dirty="0">
+                <a:latin typeface="Arial" panose="020B0604020202020204" pitchFamily="34" charset="0"/>
+                <a:cs typeface="Arial" panose="020B0604020202020204" pitchFamily="34" charset="0"/>
+              </a:rPr>
+              <a:t>(</a:t>
+            </a:r>
+            <a:r>
+              <a:rPr lang="pl-PL" sz="1000" dirty="0" err="1">
+                <a:latin typeface="Arial" panose="020B0604020202020204" pitchFamily="34" charset="0"/>
+                <a:cs typeface="Arial" panose="020B0604020202020204" pitchFamily="34" charset="0"/>
+              </a:rPr>
+              <a:t>fEx.Message</a:t>
+            </a:r>
+            <a:r>
+              <a:rPr lang="pl-PL" sz="1000" dirty="0">
+                <a:latin typeface="Arial" panose="020B0604020202020204" pitchFamily="34" charset="0"/>
+                <a:cs typeface="Arial" panose="020B0604020202020204" pitchFamily="34" charset="0"/>
+              </a:rPr>
+              <a:t>);    </a:t>
+            </a:r>
+          </a:p>
+          <a:p>
+            <a:pPr marL="0" indent="0">
+              <a:lnSpc>
+                <a:spcPct val="120000"/>
+              </a:lnSpc>
+              <a:spcBef>
+                <a:spcPts val="300"/>
+              </a:spcBef>
+              <a:buNone/>
+            </a:pPr>
+            <a:r>
+              <a:rPr lang="pl-PL" sz="1000" dirty="0">
+                <a:latin typeface="Arial" panose="020B0604020202020204" pitchFamily="34" charset="0"/>
+                <a:cs typeface="Arial" panose="020B0604020202020204" pitchFamily="34" charset="0"/>
+              </a:rPr>
+              <a:t>}</a:t>
+            </a:r>
+          </a:p>
+          <a:p>
+            <a:pPr marL="0" indent="0">
+              <a:lnSpc>
+                <a:spcPct val="120000"/>
+              </a:lnSpc>
+              <a:spcBef>
+                <a:spcPts val="300"/>
+              </a:spcBef>
+              <a:buNone/>
+            </a:pPr>
+            <a:r>
+              <a:rPr lang="pl-PL" sz="1000" b="1" dirty="0" err="1">
+                <a:latin typeface="Arial" panose="020B0604020202020204" pitchFamily="34" charset="0"/>
+                <a:cs typeface="Arial" panose="020B0604020202020204" pitchFamily="34" charset="0"/>
+              </a:rPr>
+              <a:t>catch</a:t>
+            </a:r>
+            <a:r>
+              <a:rPr lang="pl-PL" sz="1000" dirty="0">
+                <a:latin typeface="Arial" panose="020B0604020202020204" pitchFamily="34" charset="0"/>
+                <a:cs typeface="Arial" panose="020B0604020202020204" pitchFamily="34" charset="0"/>
+              </a:rPr>
+              <a:t> (</a:t>
+            </a:r>
+            <a:r>
+              <a:rPr lang="pl-PL" sz="1000" dirty="0" err="1">
+                <a:latin typeface="Arial" panose="020B0604020202020204" pitchFamily="34" charset="0"/>
+                <a:cs typeface="Arial" panose="020B0604020202020204" pitchFamily="34" charset="0"/>
+              </a:rPr>
+              <a:t>OverflowException</a:t>
+            </a:r>
+            <a:r>
+              <a:rPr lang="pl-PL" sz="1000" dirty="0">
+                <a:latin typeface="Arial" panose="020B0604020202020204" pitchFamily="34" charset="0"/>
+                <a:cs typeface="Arial" panose="020B0604020202020204" pitchFamily="34" charset="0"/>
+              </a:rPr>
+              <a:t> </a:t>
+            </a:r>
+            <a:r>
+              <a:rPr lang="pl-PL" sz="1000" dirty="0" err="1">
+                <a:latin typeface="Arial" panose="020B0604020202020204" pitchFamily="34" charset="0"/>
+                <a:cs typeface="Arial" panose="020B0604020202020204" pitchFamily="34" charset="0"/>
+              </a:rPr>
+              <a:t>OverEx</a:t>
+            </a:r>
+            <a:r>
+              <a:rPr lang="pl-PL" sz="1000" dirty="0">
+                <a:latin typeface="Arial" panose="020B0604020202020204" pitchFamily="34" charset="0"/>
+                <a:cs typeface="Arial" panose="020B0604020202020204" pitchFamily="34" charset="0"/>
+              </a:rPr>
+              <a:t>)</a:t>
+            </a:r>
+          </a:p>
+          <a:p>
+            <a:pPr marL="0" indent="0">
+              <a:lnSpc>
+                <a:spcPct val="120000"/>
+              </a:lnSpc>
+              <a:spcBef>
+                <a:spcPts val="300"/>
+              </a:spcBef>
+              <a:buNone/>
+            </a:pPr>
+            <a:r>
+              <a:rPr lang="pl-PL" sz="1000" dirty="0">
+                <a:latin typeface="Arial" panose="020B0604020202020204" pitchFamily="34" charset="0"/>
+                <a:cs typeface="Arial" panose="020B0604020202020204" pitchFamily="34" charset="0"/>
+              </a:rPr>
+              <a:t>{</a:t>
+            </a:r>
+          </a:p>
+          <a:p>
+            <a:pPr marL="0" indent="0">
+              <a:lnSpc>
+                <a:spcPct val="120000"/>
+              </a:lnSpc>
+              <a:spcBef>
+                <a:spcPts val="300"/>
+              </a:spcBef>
+              <a:buNone/>
+            </a:pPr>
+            <a:r>
+              <a:rPr lang="pl-PL" sz="1000" dirty="0">
+                <a:latin typeface="Arial" panose="020B0604020202020204" pitchFamily="34" charset="0"/>
+                <a:cs typeface="Arial" panose="020B0604020202020204" pitchFamily="34" charset="0"/>
+              </a:rPr>
+              <a:t>    </a:t>
+            </a:r>
+            <a:r>
+              <a:rPr lang="pl-PL" sz="1000" dirty="0" err="1">
+                <a:latin typeface="Arial" panose="020B0604020202020204" pitchFamily="34" charset="0"/>
+                <a:cs typeface="Arial" panose="020B0604020202020204" pitchFamily="34" charset="0"/>
+              </a:rPr>
+              <a:t>Console.WriteLine</a:t>
+            </a:r>
+            <a:r>
+              <a:rPr lang="pl-PL" sz="1000" dirty="0">
+                <a:latin typeface="Arial" panose="020B0604020202020204" pitchFamily="34" charset="0"/>
+                <a:cs typeface="Arial" panose="020B0604020202020204" pitchFamily="34" charset="0"/>
+              </a:rPr>
+              <a:t>(</a:t>
+            </a:r>
+            <a:r>
+              <a:rPr lang="pl-PL" sz="1000" dirty="0" err="1">
+                <a:latin typeface="Arial" panose="020B0604020202020204" pitchFamily="34" charset="0"/>
+                <a:cs typeface="Arial" panose="020B0604020202020204" pitchFamily="34" charset="0"/>
+              </a:rPr>
+              <a:t>OverEx.Message</a:t>
+            </a:r>
+            <a:r>
+              <a:rPr lang="pl-PL" sz="1000" dirty="0">
+                <a:latin typeface="Arial" panose="020B0604020202020204" pitchFamily="34" charset="0"/>
+                <a:cs typeface="Arial" panose="020B0604020202020204" pitchFamily="34" charset="0"/>
+              </a:rPr>
+              <a:t>);</a:t>
+            </a:r>
+          </a:p>
+          <a:p>
+            <a:pPr marL="0" indent="0">
+              <a:lnSpc>
+                <a:spcPct val="120000"/>
+              </a:lnSpc>
+              <a:spcBef>
+                <a:spcPts val="300"/>
+              </a:spcBef>
+              <a:buNone/>
+            </a:pPr>
+            <a:r>
+              <a:rPr lang="pl-PL" sz="1000" dirty="0">
+                <a:latin typeface="Arial" panose="020B0604020202020204" pitchFamily="34" charset="0"/>
+                <a:cs typeface="Arial" panose="020B0604020202020204" pitchFamily="34" charset="0"/>
+              </a:rPr>
+              <a:t>}</a:t>
+            </a:r>
+          </a:p>
+          <a:p>
+            <a:pPr marL="0" indent="0">
+              <a:lnSpc>
+                <a:spcPct val="120000"/>
+              </a:lnSpc>
+              <a:spcBef>
+                <a:spcPts val="300"/>
+              </a:spcBef>
+              <a:buNone/>
+            </a:pPr>
+            <a:r>
+              <a:rPr lang="pl-PL" sz="1000" b="1" dirty="0" err="1">
+                <a:latin typeface="Arial" panose="020B0604020202020204" pitchFamily="34" charset="0"/>
+                <a:cs typeface="Arial" panose="020B0604020202020204" pitchFamily="34" charset="0"/>
+              </a:rPr>
+              <a:t>catch</a:t>
+            </a:r>
+            <a:r>
+              <a:rPr lang="pl-PL" sz="1000" dirty="0">
+                <a:latin typeface="Arial" panose="020B0604020202020204" pitchFamily="34" charset="0"/>
+                <a:cs typeface="Arial" panose="020B0604020202020204" pitchFamily="34" charset="0"/>
+              </a:rPr>
+              <a:t> (</a:t>
+            </a:r>
+            <a:r>
+              <a:rPr lang="pl-PL" sz="1000" dirty="0" err="1">
+                <a:latin typeface="Arial" panose="020B0604020202020204" pitchFamily="34" charset="0"/>
+                <a:cs typeface="Arial" panose="020B0604020202020204" pitchFamily="34" charset="0"/>
+              </a:rPr>
+              <a:t>ArithmeticException</a:t>
+            </a:r>
+            <a:r>
+              <a:rPr lang="pl-PL" sz="1000" dirty="0">
+                <a:latin typeface="Arial" panose="020B0604020202020204" pitchFamily="34" charset="0"/>
+                <a:cs typeface="Arial" panose="020B0604020202020204" pitchFamily="34" charset="0"/>
+              </a:rPr>
+              <a:t> </a:t>
+            </a:r>
+            <a:r>
+              <a:rPr lang="pl-PL" sz="1000" dirty="0" err="1">
+                <a:latin typeface="Arial" panose="020B0604020202020204" pitchFamily="34" charset="0"/>
+                <a:cs typeface="Arial" panose="020B0604020202020204" pitchFamily="34" charset="0"/>
+              </a:rPr>
+              <a:t>ArgEx</a:t>
+            </a:r>
+            <a:r>
+              <a:rPr lang="pl-PL" sz="1000" dirty="0">
+                <a:latin typeface="Arial" panose="020B0604020202020204" pitchFamily="34" charset="0"/>
+                <a:cs typeface="Arial" panose="020B0604020202020204" pitchFamily="34" charset="0"/>
+              </a:rPr>
+              <a:t>)</a:t>
+            </a:r>
+          </a:p>
+          <a:p>
+            <a:pPr marL="0" indent="0">
+              <a:lnSpc>
+                <a:spcPct val="120000"/>
+              </a:lnSpc>
+              <a:spcBef>
+                <a:spcPts val="300"/>
+              </a:spcBef>
+              <a:buNone/>
+            </a:pPr>
+            <a:r>
+              <a:rPr lang="pl-PL" sz="1000" dirty="0">
+                <a:latin typeface="Arial" panose="020B0604020202020204" pitchFamily="34" charset="0"/>
+                <a:cs typeface="Arial" panose="020B0604020202020204" pitchFamily="34" charset="0"/>
+              </a:rPr>
+              <a:t>{</a:t>
+            </a:r>
+          </a:p>
+          <a:p>
+            <a:pPr marL="0" indent="0">
+              <a:lnSpc>
+                <a:spcPct val="120000"/>
+              </a:lnSpc>
+              <a:spcBef>
+                <a:spcPts val="300"/>
+              </a:spcBef>
+              <a:buNone/>
+            </a:pPr>
+            <a:r>
+              <a:rPr lang="pl-PL" sz="1000" dirty="0">
+                <a:latin typeface="Arial" panose="020B0604020202020204" pitchFamily="34" charset="0"/>
+                <a:cs typeface="Arial" panose="020B0604020202020204" pitchFamily="34" charset="0"/>
+              </a:rPr>
+              <a:t>    </a:t>
+            </a:r>
+            <a:r>
+              <a:rPr lang="pl-PL" sz="1000" dirty="0" err="1">
+                <a:latin typeface="Arial" panose="020B0604020202020204" pitchFamily="34" charset="0"/>
+                <a:cs typeface="Arial" panose="020B0604020202020204" pitchFamily="34" charset="0"/>
+              </a:rPr>
+              <a:t>Console.WriteLine</a:t>
+            </a:r>
+            <a:r>
+              <a:rPr lang="pl-PL" sz="1000" dirty="0">
+                <a:latin typeface="Arial" panose="020B0604020202020204" pitchFamily="34" charset="0"/>
+                <a:cs typeface="Arial" panose="020B0604020202020204" pitchFamily="34" charset="0"/>
+              </a:rPr>
+              <a:t>(</a:t>
+            </a:r>
+            <a:r>
+              <a:rPr lang="pl-PL" sz="1000" dirty="0" err="1">
+                <a:latin typeface="Arial" panose="020B0604020202020204" pitchFamily="34" charset="0"/>
+                <a:cs typeface="Arial" panose="020B0604020202020204" pitchFamily="34" charset="0"/>
+              </a:rPr>
+              <a:t>ArgEx.Message</a:t>
+            </a:r>
+            <a:r>
+              <a:rPr lang="pl-PL" sz="1000" dirty="0">
+                <a:latin typeface="Arial" panose="020B0604020202020204" pitchFamily="34" charset="0"/>
+                <a:cs typeface="Arial" panose="020B0604020202020204" pitchFamily="34" charset="0"/>
+              </a:rPr>
+              <a:t>);</a:t>
+            </a:r>
+          </a:p>
+          <a:p>
+            <a:pPr marL="0" indent="0">
+              <a:lnSpc>
+                <a:spcPct val="120000"/>
+              </a:lnSpc>
+              <a:spcBef>
+                <a:spcPts val="300"/>
+              </a:spcBef>
+              <a:buNone/>
+            </a:pPr>
+            <a:r>
+              <a:rPr lang="pl-PL" sz="1000" dirty="0">
+                <a:latin typeface="Arial" panose="020B0604020202020204" pitchFamily="34" charset="0"/>
+                <a:cs typeface="Arial" panose="020B0604020202020204" pitchFamily="34" charset="0"/>
+              </a:rPr>
+              <a:t>}</a:t>
+            </a:r>
+          </a:p>
+          <a:p>
+            <a:pPr marL="0" indent="0">
+              <a:lnSpc>
+                <a:spcPct val="120000"/>
+              </a:lnSpc>
+              <a:spcBef>
+                <a:spcPts val="300"/>
+              </a:spcBef>
+              <a:buNone/>
+            </a:pPr>
+            <a:r>
+              <a:rPr lang="pl-PL" sz="1000" b="1" dirty="0" err="1">
+                <a:latin typeface="Arial" panose="020B0604020202020204" pitchFamily="34" charset="0"/>
+                <a:cs typeface="Arial" panose="020B0604020202020204" pitchFamily="34" charset="0"/>
+              </a:rPr>
+              <a:t>catch</a:t>
+            </a:r>
+            <a:r>
+              <a:rPr lang="pl-PL" sz="1000" dirty="0">
+                <a:latin typeface="Arial" panose="020B0604020202020204" pitchFamily="34" charset="0"/>
+                <a:cs typeface="Arial" panose="020B0604020202020204" pitchFamily="34" charset="0"/>
+              </a:rPr>
+              <a:t> (</a:t>
+            </a:r>
+            <a:r>
+              <a:rPr lang="pl-PL" sz="1000" dirty="0" err="1">
+                <a:latin typeface="Arial" panose="020B0604020202020204" pitchFamily="34" charset="0"/>
+                <a:cs typeface="Arial" panose="020B0604020202020204" pitchFamily="34" charset="0"/>
+              </a:rPr>
+              <a:t>Exception</a:t>
+            </a:r>
+            <a:r>
+              <a:rPr lang="pl-PL" sz="1000" dirty="0">
+                <a:latin typeface="Arial" panose="020B0604020202020204" pitchFamily="34" charset="0"/>
+                <a:cs typeface="Arial" panose="020B0604020202020204" pitchFamily="34" charset="0"/>
+              </a:rPr>
+              <a:t> Ex)</a:t>
+            </a:r>
+          </a:p>
+          <a:p>
+            <a:pPr marL="0" indent="0">
+              <a:lnSpc>
+                <a:spcPct val="120000"/>
+              </a:lnSpc>
+              <a:spcBef>
+                <a:spcPts val="300"/>
+              </a:spcBef>
+              <a:buNone/>
+            </a:pPr>
+            <a:r>
+              <a:rPr lang="pl-PL" sz="1000" dirty="0">
+                <a:latin typeface="Arial" panose="020B0604020202020204" pitchFamily="34" charset="0"/>
+                <a:cs typeface="Arial" panose="020B0604020202020204" pitchFamily="34" charset="0"/>
+              </a:rPr>
+              <a:t>{</a:t>
+            </a:r>
+          </a:p>
+          <a:p>
+            <a:pPr marL="0" indent="0">
+              <a:lnSpc>
+                <a:spcPct val="120000"/>
+              </a:lnSpc>
+              <a:spcBef>
+                <a:spcPts val="300"/>
+              </a:spcBef>
+              <a:buNone/>
+            </a:pPr>
+            <a:r>
+              <a:rPr lang="pl-PL" sz="1000" dirty="0">
+                <a:latin typeface="Arial" panose="020B0604020202020204" pitchFamily="34" charset="0"/>
+                <a:cs typeface="Arial" panose="020B0604020202020204" pitchFamily="34" charset="0"/>
+              </a:rPr>
+              <a:t>    </a:t>
+            </a:r>
+            <a:r>
+              <a:rPr lang="pl-PL" sz="1000" dirty="0" err="1">
+                <a:latin typeface="Arial" panose="020B0604020202020204" pitchFamily="34" charset="0"/>
+                <a:cs typeface="Arial" panose="020B0604020202020204" pitchFamily="34" charset="0"/>
+              </a:rPr>
+              <a:t>Console.WriteLine</a:t>
+            </a:r>
+            <a:r>
+              <a:rPr lang="pl-PL" sz="1000" dirty="0">
+                <a:latin typeface="Arial" panose="020B0604020202020204" pitchFamily="34" charset="0"/>
+                <a:cs typeface="Arial" panose="020B0604020202020204" pitchFamily="34" charset="0"/>
+              </a:rPr>
+              <a:t>(„Źle!");</a:t>
+            </a:r>
+          </a:p>
+          <a:p>
+            <a:pPr marL="0" indent="0">
+              <a:lnSpc>
+                <a:spcPct val="120000"/>
+              </a:lnSpc>
+              <a:spcBef>
+                <a:spcPts val="300"/>
+              </a:spcBef>
+              <a:buNone/>
+            </a:pPr>
+            <a:r>
+              <a:rPr lang="pl-PL" sz="1000" dirty="0">
+                <a:latin typeface="Arial" panose="020B0604020202020204" pitchFamily="34" charset="0"/>
+                <a:cs typeface="Arial" panose="020B0604020202020204" pitchFamily="34" charset="0"/>
+              </a:rPr>
+              <a:t>}</a:t>
+            </a:r>
+          </a:p>
+        </p:txBody>
+      </p:sp>
+    </p:spTree>
+    <p:extLst>
+      <p:ext uri="{BB962C8B-B14F-4D97-AF65-F5344CB8AC3E}">
+        <p14:creationId xmlns:p14="http://schemas.microsoft.com/office/powerpoint/2010/main" val="4255354530"/>
+      </p:ext>
+    </p:extLst>
+  </p:cSld>
+  <p:clrMapOvr>
+    <a:masterClrMapping/>
+  </p:clrMapOvr>
+</p:sld>
+</file>
+
+<file path=ppt/slides/slide5.xml><?xml version="1.0" encoding="utf-8"?>
+<p:sld xmlns:a="http://schemas.openxmlformats.org/drawingml/2006/main" xmlns:r="http://schemas.openxmlformats.org/officeDocument/2006/relationships" xmlns:p="http://schemas.openxmlformats.org/presentationml/2006/main">
+  <p:cSld>
+    <p:spTree>
+      <p:nvGrpSpPr>
+        <p:cNvPr id="1" name=""/>
+        <p:cNvGrpSpPr/>
+        <p:nvPr/>
+      </p:nvGrpSpPr>
+      <p:grpSpPr>
+        <a:xfrm>
+          <a:off x="0" y="0"/>
+          <a:ext cx="0" cy="0"/>
+          <a:chOff x="0" y="0"/>
+          <a:chExt cx="0" cy="0"/>
+        </a:xfrm>
+      </p:grpSpPr>
+      <p:sp>
+        <p:nvSpPr>
+          <p:cNvPr id="2" name="Tytuł 1">
+            <a:extLst>
+              <a:ext uri="{FF2B5EF4-FFF2-40B4-BE49-F238E27FC236}">
+                <a16:creationId xmlns:a16="http://schemas.microsoft.com/office/drawing/2014/main" id="{BFC235B6-ED3F-4CB6-B6B2-42231FE4E8E8}"/>
+              </a:ext>
+            </a:extLst>
+          </p:cNvPr>
+          <p:cNvSpPr>
+            <a:spLocks noGrp="1"/>
+          </p:cNvSpPr>
+          <p:nvPr>
+            <p:ph type="title"/>
+          </p:nvPr>
+        </p:nvSpPr>
+        <p:spPr/>
+        <p:txBody>
+          <a:bodyPr>
+            <a:normAutofit/>
+          </a:bodyPr>
+          <a:lstStyle/>
+          <a:p>
+            <a:pPr algn="ctr"/>
+            <a:r>
+              <a:rPr lang="pl-PL" sz="4000" dirty="0"/>
+              <a:t>Użycie bloku „</a:t>
+            </a:r>
+            <a:r>
+              <a:rPr lang="pl-PL" sz="4000" b="1" dirty="0" err="1"/>
+              <a:t>Finally</a:t>
+            </a:r>
+            <a:r>
+              <a:rPr lang="pl-PL" sz="4000" dirty="0"/>
+              <a:t>”</a:t>
+            </a:r>
+          </a:p>
+        </p:txBody>
+      </p:sp>
+      <p:sp>
+        <p:nvSpPr>
+          <p:cNvPr id="3" name="Symbol zastępczy zawartości 2">
+            <a:extLst>
+              <a:ext uri="{FF2B5EF4-FFF2-40B4-BE49-F238E27FC236}">
+                <a16:creationId xmlns:a16="http://schemas.microsoft.com/office/drawing/2014/main" id="{F500FE60-1A78-4592-8F98-37F6D92557F1}"/>
+              </a:ext>
+            </a:extLst>
+          </p:cNvPr>
+          <p:cNvSpPr>
+            <a:spLocks noGrp="1"/>
+          </p:cNvSpPr>
+          <p:nvPr>
+            <p:ph idx="1"/>
+          </p:nvPr>
+        </p:nvSpPr>
+        <p:spPr/>
+        <p:txBody>
+          <a:bodyPr>
+            <a:normAutofit fontScale="70000" lnSpcReduction="20000"/>
+          </a:bodyPr>
+          <a:lstStyle/>
+          <a:p>
+            <a:pPr marL="0" indent="0">
+              <a:lnSpc>
+                <a:spcPct val="80000"/>
+              </a:lnSpc>
+              <a:buNone/>
+            </a:pPr>
+            <a:r>
+              <a:rPr lang="pl-PL" dirty="0" err="1"/>
+              <a:t>int</a:t>
+            </a:r>
+            <a:r>
+              <a:rPr lang="pl-PL" dirty="0"/>
+              <a:t> aa = 15;</a:t>
+            </a:r>
+          </a:p>
+          <a:p>
+            <a:pPr marL="0" indent="0">
+              <a:lnSpc>
+                <a:spcPct val="80000"/>
+              </a:lnSpc>
+              <a:buNone/>
+            </a:pPr>
+            <a:r>
+              <a:rPr lang="pl-PL" dirty="0" err="1"/>
+              <a:t>try</a:t>
+            </a:r>
+            <a:r>
+              <a:rPr lang="pl-PL" dirty="0"/>
+              <a:t> </a:t>
+            </a:r>
+          </a:p>
+          <a:p>
+            <a:pPr marL="0" indent="0">
+              <a:lnSpc>
+                <a:spcPct val="80000"/>
+              </a:lnSpc>
+              <a:buNone/>
+            </a:pPr>
+            <a:r>
+              <a:rPr lang="pl-PL" dirty="0"/>
+              <a:t>{</a:t>
+            </a:r>
+          </a:p>
+          <a:p>
+            <a:pPr marL="0" indent="0">
+              <a:lnSpc>
+                <a:spcPct val="80000"/>
+              </a:lnSpc>
+              <a:buNone/>
+            </a:pPr>
+            <a:r>
+              <a:rPr lang="pl-PL" dirty="0"/>
+              <a:t>    string a = </a:t>
+            </a:r>
+            <a:r>
+              <a:rPr lang="pl-PL" dirty="0" err="1"/>
+              <a:t>Console.ReadLine</a:t>
+            </a:r>
+            <a:r>
+              <a:rPr lang="pl-PL" dirty="0"/>
+              <a:t>();</a:t>
+            </a:r>
+          </a:p>
+          <a:p>
+            <a:pPr marL="0" indent="0">
+              <a:lnSpc>
+                <a:spcPct val="80000"/>
+              </a:lnSpc>
+              <a:buNone/>
+            </a:pPr>
+            <a:r>
+              <a:rPr lang="pl-PL" dirty="0"/>
+              <a:t>    aa = </a:t>
+            </a:r>
+            <a:r>
+              <a:rPr lang="pl-PL" dirty="0" err="1"/>
+              <a:t>int.Parse</a:t>
+            </a:r>
+            <a:r>
+              <a:rPr lang="pl-PL" dirty="0"/>
+              <a:t>(a);</a:t>
+            </a:r>
+          </a:p>
+          <a:p>
+            <a:pPr marL="0" indent="0">
+              <a:lnSpc>
+                <a:spcPct val="80000"/>
+              </a:lnSpc>
+              <a:buNone/>
+            </a:pPr>
+            <a:r>
+              <a:rPr lang="pl-PL" dirty="0"/>
+              <a:t>}</a:t>
+            </a:r>
+          </a:p>
+          <a:p>
+            <a:pPr marL="0" indent="0">
+              <a:lnSpc>
+                <a:spcPct val="80000"/>
+              </a:lnSpc>
+              <a:buNone/>
+            </a:pPr>
+            <a:r>
+              <a:rPr lang="pl-PL" dirty="0" err="1"/>
+              <a:t>catch</a:t>
+            </a:r>
+            <a:r>
+              <a:rPr lang="pl-PL" dirty="0"/>
+              <a:t> </a:t>
+            </a:r>
+          </a:p>
+          <a:p>
+            <a:pPr marL="0" indent="0">
+              <a:lnSpc>
+                <a:spcPct val="80000"/>
+              </a:lnSpc>
+              <a:buNone/>
+            </a:pPr>
+            <a:r>
+              <a:rPr lang="pl-PL" dirty="0"/>
+              <a:t>{</a:t>
+            </a:r>
+          </a:p>
+          <a:p>
+            <a:pPr marL="0" indent="0">
+              <a:lnSpc>
+                <a:spcPct val="80000"/>
+              </a:lnSpc>
+              <a:buNone/>
+            </a:pPr>
+            <a:r>
+              <a:rPr lang="pl-PL" dirty="0"/>
+              <a:t>    </a:t>
+            </a:r>
+            <a:r>
+              <a:rPr lang="pl-PL" dirty="0" err="1"/>
+              <a:t>Console.WriteLine</a:t>
+            </a:r>
+            <a:r>
+              <a:rPr lang="pl-PL" dirty="0"/>
+              <a:t>("Nie zmieniłeś zmiennej- Błąd");</a:t>
+            </a:r>
+          </a:p>
+          <a:p>
+            <a:pPr marL="0" indent="0">
+              <a:lnSpc>
+                <a:spcPct val="80000"/>
+              </a:lnSpc>
+              <a:buNone/>
+            </a:pPr>
+            <a:r>
+              <a:rPr lang="pl-PL" dirty="0"/>
+              <a:t>}</a:t>
+            </a:r>
+          </a:p>
+          <a:p>
+            <a:pPr marL="0" indent="0">
+              <a:lnSpc>
+                <a:spcPct val="80000"/>
+              </a:lnSpc>
+              <a:buNone/>
+            </a:pPr>
+            <a:r>
+              <a:rPr lang="pl-PL" b="1" dirty="0" err="1"/>
+              <a:t>finally</a:t>
+            </a:r>
+            <a:r>
+              <a:rPr lang="pl-PL" b="1" dirty="0"/>
+              <a:t> </a:t>
+            </a:r>
+          </a:p>
+          <a:p>
+            <a:pPr marL="0" indent="0">
+              <a:lnSpc>
+                <a:spcPct val="80000"/>
+              </a:lnSpc>
+              <a:buNone/>
+            </a:pPr>
+            <a:r>
+              <a:rPr lang="pl-PL" dirty="0"/>
+              <a:t>{</a:t>
+            </a:r>
+          </a:p>
+          <a:p>
+            <a:pPr marL="0" indent="0">
+              <a:lnSpc>
+                <a:spcPct val="80000"/>
+              </a:lnSpc>
+              <a:buNone/>
+            </a:pPr>
+            <a:r>
+              <a:rPr lang="pl-PL" dirty="0"/>
+              <a:t>    </a:t>
+            </a:r>
+            <a:r>
+              <a:rPr lang="pl-PL" dirty="0" err="1"/>
+              <a:t>Console.WriteLine</a:t>
+            </a:r>
+            <a:r>
+              <a:rPr lang="pl-PL" dirty="0"/>
+              <a:t>(aa);</a:t>
+            </a:r>
+          </a:p>
+          <a:p>
+            <a:pPr marL="0" indent="0">
+              <a:lnSpc>
+                <a:spcPct val="80000"/>
+              </a:lnSpc>
+              <a:buNone/>
+            </a:pPr>
+            <a:r>
+              <a:rPr lang="pl-PL" dirty="0"/>
+              <a:t>}</a:t>
+            </a:r>
+          </a:p>
+        </p:txBody>
+      </p:sp>
+    </p:spTree>
+    <p:extLst>
+      <p:ext uri="{BB962C8B-B14F-4D97-AF65-F5344CB8AC3E}">
+        <p14:creationId xmlns:p14="http://schemas.microsoft.com/office/powerpoint/2010/main" val="832723114"/>
+      </p:ext>
+    </p:extLst>
+  </p:cSld>
+  <p:clrMapOvr>
+    <a:masterClrMapping/>
+  </p:clrMapOvr>
+</p:sld>
+</file>
+
+<file path=ppt/slides/slide6.xml><?xml version="1.0" encoding="utf-8"?>
+<p:sld xmlns:a="http://schemas.openxmlformats.org/drawingml/2006/main" xmlns:r="http://schemas.openxmlformats.org/officeDocument/2006/relationships" xmlns:p="http://schemas.openxmlformats.org/presentationml/2006/main">
+  <p:cSld>
+    <p:spTree>
+      <p:nvGrpSpPr>
+        <p:cNvPr id="1" name=""/>
+        <p:cNvGrpSpPr/>
+        <p:nvPr/>
+      </p:nvGrpSpPr>
+      <p:grpSpPr>
+        <a:xfrm>
+          <a:off x="0" y="0"/>
+          <a:ext cx="0" cy="0"/>
+          <a:chOff x="0" y="0"/>
+          <a:chExt cx="0" cy="0"/>
+        </a:xfrm>
+      </p:grpSpPr>
+      <p:sp>
+        <p:nvSpPr>
+          <p:cNvPr id="2" name="Tytuł 1">
+            <a:extLst>
+              <a:ext uri="{FF2B5EF4-FFF2-40B4-BE49-F238E27FC236}">
+                <a16:creationId xmlns:a16="http://schemas.microsoft.com/office/drawing/2014/main" id="{80354B5A-FD38-4B00-8FEE-32260B43DDF5}"/>
+              </a:ext>
+            </a:extLst>
+          </p:cNvPr>
+          <p:cNvSpPr>
+            <a:spLocks noGrp="1"/>
+          </p:cNvSpPr>
+          <p:nvPr>
+            <p:ph type="title"/>
+          </p:nvPr>
+        </p:nvSpPr>
+        <p:spPr/>
+        <p:txBody>
+          <a:bodyPr>
+            <a:normAutofit/>
+          </a:bodyPr>
+          <a:lstStyle/>
+          <a:p>
+            <a:pPr algn="ctr"/>
+            <a:r>
+              <a:rPr lang="pl-PL" sz="4000" dirty="0"/>
+              <a:t>Słowo „</a:t>
+            </a:r>
+            <a:r>
+              <a:rPr lang="pl-PL" sz="4000" b="1" dirty="0" err="1"/>
+              <a:t>unchecked</a:t>
+            </a:r>
+            <a:r>
+              <a:rPr lang="pl-PL" sz="4000" dirty="0"/>
+              <a:t>”</a:t>
+            </a:r>
+          </a:p>
+        </p:txBody>
+      </p:sp>
+      <p:pic>
+        <p:nvPicPr>
+          <p:cNvPr id="7" name="Obraz 6">
+            <a:extLst>
+              <a:ext uri="{FF2B5EF4-FFF2-40B4-BE49-F238E27FC236}">
+                <a16:creationId xmlns:a16="http://schemas.microsoft.com/office/drawing/2014/main" id="{88D4B65E-DCC8-42B2-9A92-6E9695AF48F7}"/>
+              </a:ext>
+            </a:extLst>
+          </p:cNvPr>
+          <p:cNvPicPr>
+            <a:picLocks noChangeAspect="1"/>
+          </p:cNvPicPr>
+          <p:nvPr/>
+        </p:nvPicPr>
+        <p:blipFill>
+          <a:blip r:embed="rId2"/>
+          <a:stretch>
+            <a:fillRect/>
+          </a:stretch>
+        </p:blipFill>
+        <p:spPr>
+          <a:xfrm>
+            <a:off x="438515" y="1690688"/>
+            <a:ext cx="4481829" cy="1664461"/>
+          </a:xfrm>
+          <a:prstGeom prst="rect">
+            <a:avLst/>
+          </a:prstGeom>
+        </p:spPr>
+      </p:pic>
+      <p:pic>
+        <p:nvPicPr>
+          <p:cNvPr id="10" name="Obraz 9">
+            <a:extLst>
+              <a:ext uri="{FF2B5EF4-FFF2-40B4-BE49-F238E27FC236}">
+                <a16:creationId xmlns:a16="http://schemas.microsoft.com/office/drawing/2014/main" id="{1948FB50-1436-4DFC-BD3C-AA95E369E458}"/>
+              </a:ext>
+            </a:extLst>
+          </p:cNvPr>
+          <p:cNvPicPr>
+            <a:picLocks noChangeAspect="1"/>
+          </p:cNvPicPr>
+          <p:nvPr/>
+        </p:nvPicPr>
+        <p:blipFill>
+          <a:blip r:embed="rId3"/>
+          <a:stretch>
+            <a:fillRect/>
+          </a:stretch>
+        </p:blipFill>
+        <p:spPr>
+          <a:xfrm>
+            <a:off x="4739950" y="2713034"/>
+            <a:ext cx="7289240" cy="3116721"/>
+          </a:xfrm>
+          <a:prstGeom prst="rect">
+            <a:avLst/>
+          </a:prstGeom>
+        </p:spPr>
+      </p:pic>
+      <p:pic>
+        <p:nvPicPr>
+          <p:cNvPr id="11" name="Obraz 10">
+            <a:extLst>
+              <a:ext uri="{FF2B5EF4-FFF2-40B4-BE49-F238E27FC236}">
+                <a16:creationId xmlns:a16="http://schemas.microsoft.com/office/drawing/2014/main" id="{3F25B756-CD26-4E84-A3CB-C90C36CEC942}"/>
+              </a:ext>
+            </a:extLst>
+          </p:cNvPr>
+          <p:cNvPicPr>
+            <a:picLocks noChangeAspect="1"/>
+          </p:cNvPicPr>
+          <p:nvPr/>
+        </p:nvPicPr>
+        <p:blipFill>
+          <a:blip r:embed="rId4"/>
+          <a:stretch>
+            <a:fillRect/>
+          </a:stretch>
+        </p:blipFill>
+        <p:spPr>
+          <a:xfrm>
+            <a:off x="2882316" y="5829755"/>
+            <a:ext cx="1857634" cy="809738"/>
+          </a:xfrm>
+          <a:prstGeom prst="rect">
+            <a:avLst/>
+          </a:prstGeom>
+        </p:spPr>
+      </p:pic>
+    </p:spTree>
+    <p:extLst>
+      <p:ext uri="{BB962C8B-B14F-4D97-AF65-F5344CB8AC3E}">
+        <p14:creationId xmlns:p14="http://schemas.microsoft.com/office/powerpoint/2010/main" val="3847766838"/>
+      </p:ext>
+    </p:extLst>
+  </p:cSld>
+  <p:clrMapOvr>
+    <a:masterClrMapping/>
+  </p:clrMapOvr>
+</p:sld>
+</file>
+
+<file path=ppt/slides/slide7.xml><?xml version="1.0" encoding="utf-8"?>
+<p:sld xmlns:a="http://schemas.openxmlformats.org/drawingml/2006/main" xmlns:r="http://schemas.openxmlformats.org/officeDocument/2006/relationships" xmlns:p="http://schemas.openxmlformats.org/presentationml/2006/main">
+  <p:cSld>
+    <p:spTree>
+      <p:nvGrpSpPr>
+        <p:cNvPr id="1" name=""/>
+        <p:cNvGrpSpPr/>
+        <p:nvPr/>
+      </p:nvGrpSpPr>
+      <p:grpSpPr>
+        <a:xfrm>
+          <a:off x="0" y="0"/>
+          <a:ext cx="0" cy="0"/>
+          <a:chOff x="0" y="0"/>
+          <a:chExt cx="0" cy="0"/>
+        </a:xfrm>
+      </p:grpSpPr>
+      <p:sp>
+        <p:nvSpPr>
+          <p:cNvPr id="2" name="Tytuł 1">
+            <a:extLst>
+              <a:ext uri="{FF2B5EF4-FFF2-40B4-BE49-F238E27FC236}">
+                <a16:creationId xmlns:a16="http://schemas.microsoft.com/office/drawing/2014/main" id="{B89E6087-6B2A-498C-89B8-3C4E34340B37}"/>
+              </a:ext>
+            </a:extLst>
+          </p:cNvPr>
+          <p:cNvSpPr>
+            <a:spLocks noGrp="1"/>
+          </p:cNvSpPr>
+          <p:nvPr>
+            <p:ph type="title"/>
+          </p:nvPr>
+        </p:nvSpPr>
+        <p:spPr/>
+        <p:txBody>
+          <a:bodyPr>
+            <a:normAutofit/>
+          </a:bodyPr>
+          <a:lstStyle/>
+          <a:p>
+            <a:pPr algn="ctr"/>
+            <a:r>
+              <a:rPr lang="pl-PL" sz="4000" dirty="0"/>
+              <a:t>Słowo „</a:t>
+            </a:r>
+            <a:r>
+              <a:rPr lang="pl-PL" sz="4000" b="1" dirty="0" err="1"/>
+              <a:t>checked</a:t>
+            </a:r>
+            <a:r>
+              <a:rPr lang="pl-PL" sz="4000" dirty="0"/>
+              <a:t>”</a:t>
+            </a:r>
+          </a:p>
+        </p:txBody>
+      </p:sp>
+      <p:sp>
+        <p:nvSpPr>
+          <p:cNvPr id="3" name="Symbol zastępczy zawartości 2">
+            <a:extLst>
+              <a:ext uri="{FF2B5EF4-FFF2-40B4-BE49-F238E27FC236}">
+                <a16:creationId xmlns:a16="http://schemas.microsoft.com/office/drawing/2014/main" id="{ACA4F46F-1EE7-4188-99AD-A2E6CBCF1E72}"/>
+              </a:ext>
+            </a:extLst>
+          </p:cNvPr>
+          <p:cNvSpPr>
+            <a:spLocks noGrp="1"/>
+          </p:cNvSpPr>
+          <p:nvPr>
+            <p:ph idx="1"/>
+          </p:nvPr>
+        </p:nvSpPr>
+        <p:spPr/>
+        <p:txBody>
+          <a:bodyPr/>
+          <a:lstStyle/>
+          <a:p>
+            <a:endParaRPr lang="pl-PL" dirty="0"/>
+          </a:p>
+        </p:txBody>
+      </p:sp>
+      <p:pic>
+        <p:nvPicPr>
+          <p:cNvPr id="4" name="Obraz 3">
+            <a:extLst>
+              <a:ext uri="{FF2B5EF4-FFF2-40B4-BE49-F238E27FC236}">
+                <a16:creationId xmlns:a16="http://schemas.microsoft.com/office/drawing/2014/main" id="{4BCE69A8-C692-42F0-B4D5-3FA51DBD221C}"/>
+              </a:ext>
+            </a:extLst>
+          </p:cNvPr>
+          <p:cNvPicPr>
+            <a:picLocks noChangeAspect="1"/>
+          </p:cNvPicPr>
+          <p:nvPr/>
+        </p:nvPicPr>
+        <p:blipFill>
+          <a:blip r:embed="rId2"/>
+          <a:stretch>
+            <a:fillRect/>
+          </a:stretch>
+        </p:blipFill>
+        <p:spPr>
+          <a:xfrm>
+            <a:off x="1555102" y="1690688"/>
+            <a:ext cx="8660192" cy="2557791"/>
+          </a:xfrm>
+          <a:prstGeom prst="rect">
+            <a:avLst/>
+          </a:prstGeom>
+        </p:spPr>
+      </p:pic>
+      <p:pic>
+        <p:nvPicPr>
+          <p:cNvPr id="5" name="Obraz 4">
+            <a:extLst>
+              <a:ext uri="{FF2B5EF4-FFF2-40B4-BE49-F238E27FC236}">
+                <a16:creationId xmlns:a16="http://schemas.microsoft.com/office/drawing/2014/main" id="{EF2D7D19-8915-4E98-923C-3959C7C2831F}"/>
+              </a:ext>
+            </a:extLst>
+          </p:cNvPr>
+          <p:cNvPicPr>
+            <a:picLocks noChangeAspect="1"/>
+          </p:cNvPicPr>
+          <p:nvPr/>
+        </p:nvPicPr>
+        <p:blipFill>
+          <a:blip r:embed="rId3"/>
+          <a:stretch>
+            <a:fillRect/>
+          </a:stretch>
+        </p:blipFill>
+        <p:spPr>
+          <a:xfrm>
+            <a:off x="2861811" y="5097725"/>
+            <a:ext cx="6468378" cy="952633"/>
+          </a:xfrm>
+          <a:prstGeom prst="rect">
+            <a:avLst/>
+          </a:prstGeom>
+        </p:spPr>
+      </p:pic>
+    </p:spTree>
+    <p:extLst>
+      <p:ext uri="{BB962C8B-B14F-4D97-AF65-F5344CB8AC3E}">
+        <p14:creationId xmlns:p14="http://schemas.microsoft.com/office/powerpoint/2010/main" val="3479100953"/>
+      </p:ext>
+    </p:extLst>
+  </p:cSld>
+  <p:clrMapOvr>
+    <a:masterClrMapping/>
+  </p:clrMapOvr>
+</p:sld>
+</file>
+
+<file path=ppt/slides/slide8.xml><?xml version="1.0" encoding="utf-8"?>
+<p:sld xmlns:a="http://schemas.openxmlformats.org/drawingml/2006/main" xmlns:r="http://schemas.openxmlformats.org/officeDocument/2006/relationships" xmlns:p="http://schemas.openxmlformats.org/presentationml/2006/main">
+  <p:cSld>
+    <p:spTree>
+      <p:nvGrpSpPr>
+        <p:cNvPr id="1" name=""/>
+        <p:cNvGrpSpPr/>
+        <p:nvPr/>
+      </p:nvGrpSpPr>
+      <p:grpSpPr>
+        <a:xfrm>
+          <a:off x="0" y="0"/>
+          <a:ext cx="0" cy="0"/>
+          <a:chOff x="0" y="0"/>
+          <a:chExt cx="0" cy="0"/>
+        </a:xfrm>
+      </p:grpSpPr>
+      <p:sp>
+        <p:nvSpPr>
+          <p:cNvPr id="2" name="Tytuł 1">
+            <a:extLst>
+              <a:ext uri="{FF2B5EF4-FFF2-40B4-BE49-F238E27FC236}">
+                <a16:creationId xmlns:a16="http://schemas.microsoft.com/office/drawing/2014/main" id="{B36D8400-2213-493A-8092-6B883F94C2EA}"/>
+              </a:ext>
+            </a:extLst>
+          </p:cNvPr>
+          <p:cNvSpPr>
+            <a:spLocks noGrp="1"/>
+          </p:cNvSpPr>
+          <p:nvPr>
+            <p:ph type="title"/>
+          </p:nvPr>
+        </p:nvSpPr>
+        <p:spPr/>
+        <p:txBody>
+          <a:bodyPr/>
+          <a:lstStyle/>
+          <a:p>
+            <a:pPr algn="ctr"/>
+            <a:r>
+              <a:rPr lang="pl-PL" b="1" dirty="0"/>
+              <a:t>Switch</a:t>
+            </a:r>
+            <a:r>
+              <a:rPr lang="pl-PL" dirty="0"/>
+              <a:t>…</a:t>
+            </a:r>
+            <a:r>
+              <a:rPr lang="pl-PL" b="1" dirty="0" err="1"/>
+              <a:t>case</a:t>
+            </a:r>
+            <a:r>
+              <a:rPr lang="pl-PL" dirty="0"/>
+              <a:t>…</a:t>
+            </a:r>
+            <a:r>
+              <a:rPr lang="pl-PL" b="1" dirty="0" err="1"/>
+              <a:t>throw</a:t>
+            </a:r>
+            <a:endParaRPr lang="pl-PL" b="1" dirty="0"/>
+          </a:p>
+        </p:txBody>
+      </p:sp>
+      <p:sp>
+        <p:nvSpPr>
+          <p:cNvPr id="3" name="Symbol zastępczy zawartości 2">
+            <a:extLst>
+              <a:ext uri="{FF2B5EF4-FFF2-40B4-BE49-F238E27FC236}">
+                <a16:creationId xmlns:a16="http://schemas.microsoft.com/office/drawing/2014/main" id="{0A957FA7-D93C-4E39-BE7C-D653F5B42D40}"/>
+              </a:ext>
+            </a:extLst>
+          </p:cNvPr>
+          <p:cNvSpPr>
+            <a:spLocks noGrp="1"/>
+          </p:cNvSpPr>
+          <p:nvPr>
+            <p:ph idx="1"/>
+          </p:nvPr>
+        </p:nvSpPr>
+        <p:spPr>
+          <a:xfrm>
+            <a:off x="838200" y="1215842"/>
+            <a:ext cx="3662082" cy="5570440"/>
+          </a:xfrm>
+        </p:spPr>
+        <p:txBody>
+          <a:bodyPr>
+            <a:noAutofit/>
+          </a:bodyPr>
+          <a:lstStyle/>
+          <a:p>
+            <a:pPr marL="0" indent="0">
+              <a:spcBef>
+                <a:spcPts val="300"/>
+              </a:spcBef>
+              <a:buNone/>
+            </a:pPr>
+            <a:r>
+              <a:rPr lang="pl-PL" sz="1000" dirty="0"/>
+              <a:t>public </a:t>
+            </a:r>
+            <a:r>
+              <a:rPr lang="pl-PL" sz="1000" dirty="0" err="1"/>
+              <a:t>static</a:t>
+            </a:r>
+            <a:r>
+              <a:rPr lang="pl-PL" sz="1000" dirty="0"/>
+              <a:t> string </a:t>
+            </a:r>
+            <a:r>
+              <a:rPr lang="pl-PL" sz="1000" dirty="0" err="1"/>
+              <a:t>DzienTygodnia</a:t>
+            </a:r>
+            <a:r>
+              <a:rPr lang="pl-PL" sz="1000" dirty="0"/>
+              <a:t>(</a:t>
+            </a:r>
+            <a:r>
+              <a:rPr lang="pl-PL" sz="1000" dirty="0" err="1"/>
+              <a:t>int</a:t>
+            </a:r>
+            <a:r>
+              <a:rPr lang="pl-PL" sz="1000" dirty="0"/>
+              <a:t> liczba)</a:t>
+            </a:r>
+          </a:p>
+          <a:p>
+            <a:pPr marL="0" indent="0">
+              <a:spcBef>
+                <a:spcPts val="300"/>
+              </a:spcBef>
+              <a:buNone/>
+            </a:pPr>
+            <a:r>
+              <a:rPr lang="pl-PL" sz="1000" dirty="0"/>
+              <a:t>{</a:t>
+            </a:r>
+          </a:p>
+          <a:p>
+            <a:pPr marL="0" indent="0">
+              <a:spcBef>
+                <a:spcPts val="300"/>
+              </a:spcBef>
+              <a:buNone/>
+            </a:pPr>
+            <a:r>
+              <a:rPr lang="pl-PL" sz="1000" dirty="0"/>
+              <a:t>    </a:t>
+            </a:r>
+            <a:r>
+              <a:rPr lang="pl-PL" sz="1000" dirty="0" err="1"/>
+              <a:t>switch</a:t>
+            </a:r>
+            <a:r>
+              <a:rPr lang="pl-PL" sz="1000" dirty="0"/>
+              <a:t> (liczba)</a:t>
+            </a:r>
+          </a:p>
+          <a:p>
+            <a:pPr marL="0" indent="0">
+              <a:spcBef>
+                <a:spcPts val="300"/>
+              </a:spcBef>
+              <a:buNone/>
+            </a:pPr>
+            <a:r>
+              <a:rPr lang="pl-PL" sz="1000" dirty="0"/>
+              <a:t>    {</a:t>
+            </a:r>
+          </a:p>
+          <a:p>
+            <a:pPr marL="0" indent="0">
+              <a:spcBef>
+                <a:spcPts val="300"/>
+              </a:spcBef>
+              <a:buNone/>
+            </a:pPr>
+            <a:r>
+              <a:rPr lang="pl-PL" sz="1000" dirty="0"/>
+              <a:t>        </a:t>
+            </a:r>
+            <a:r>
+              <a:rPr lang="pl-PL" sz="1000" dirty="0" err="1"/>
+              <a:t>case</a:t>
+            </a:r>
+            <a:r>
+              <a:rPr lang="pl-PL" sz="1000" dirty="0"/>
+              <a:t> 1:</a:t>
+            </a:r>
+          </a:p>
+          <a:p>
+            <a:pPr marL="0" indent="0">
+              <a:spcBef>
+                <a:spcPts val="300"/>
+              </a:spcBef>
+              <a:buNone/>
+            </a:pPr>
+            <a:r>
+              <a:rPr lang="pl-PL" sz="1000" dirty="0"/>
+              <a:t>            return "poniedziałek";</a:t>
+            </a:r>
+          </a:p>
+          <a:p>
+            <a:pPr marL="0" indent="0">
+              <a:spcBef>
+                <a:spcPts val="300"/>
+              </a:spcBef>
+              <a:buNone/>
+            </a:pPr>
+            <a:r>
+              <a:rPr lang="pl-PL" sz="1000" dirty="0"/>
+              <a:t>            </a:t>
+            </a:r>
+            <a:r>
+              <a:rPr lang="pl-PL" sz="1000" dirty="0" err="1"/>
+              <a:t>break</a:t>
+            </a:r>
+            <a:r>
+              <a:rPr lang="pl-PL" sz="1000" dirty="0"/>
+              <a:t>;</a:t>
+            </a:r>
+          </a:p>
+          <a:p>
+            <a:pPr marL="0" indent="0">
+              <a:spcBef>
+                <a:spcPts val="300"/>
+              </a:spcBef>
+              <a:buNone/>
+            </a:pPr>
+            <a:r>
+              <a:rPr lang="pl-PL" sz="1000" dirty="0"/>
+              <a:t>        </a:t>
+            </a:r>
+            <a:r>
+              <a:rPr lang="pl-PL" sz="1000" dirty="0" err="1"/>
+              <a:t>case</a:t>
+            </a:r>
+            <a:r>
+              <a:rPr lang="pl-PL" sz="1000" dirty="0"/>
+              <a:t> 2:</a:t>
+            </a:r>
+          </a:p>
+          <a:p>
+            <a:pPr marL="0" indent="0">
+              <a:spcBef>
+                <a:spcPts val="300"/>
+              </a:spcBef>
+              <a:buNone/>
+            </a:pPr>
+            <a:r>
+              <a:rPr lang="pl-PL" sz="1000" dirty="0"/>
+              <a:t>            return "wtorek";</a:t>
+            </a:r>
+          </a:p>
+          <a:p>
+            <a:pPr marL="0" indent="0">
+              <a:spcBef>
+                <a:spcPts val="300"/>
+              </a:spcBef>
+              <a:buNone/>
+            </a:pPr>
+            <a:r>
+              <a:rPr lang="pl-PL" sz="1000" dirty="0"/>
+              <a:t>            </a:t>
+            </a:r>
+            <a:r>
+              <a:rPr lang="pl-PL" sz="1000" dirty="0" err="1"/>
+              <a:t>break</a:t>
+            </a:r>
+            <a:r>
+              <a:rPr lang="pl-PL" sz="1000" dirty="0"/>
+              <a:t>;</a:t>
+            </a:r>
+          </a:p>
+          <a:p>
+            <a:pPr marL="0" indent="0">
+              <a:spcBef>
+                <a:spcPts val="300"/>
+              </a:spcBef>
+              <a:buNone/>
+            </a:pPr>
+            <a:r>
+              <a:rPr lang="pl-PL" sz="1000" dirty="0"/>
+              <a:t>        </a:t>
+            </a:r>
+            <a:r>
+              <a:rPr lang="pl-PL" sz="1000" dirty="0" err="1"/>
+              <a:t>case</a:t>
+            </a:r>
+            <a:r>
+              <a:rPr lang="pl-PL" sz="1000" dirty="0"/>
+              <a:t> 3:</a:t>
+            </a:r>
+          </a:p>
+          <a:p>
+            <a:pPr marL="0" indent="0">
+              <a:spcBef>
+                <a:spcPts val="300"/>
+              </a:spcBef>
+              <a:buNone/>
+            </a:pPr>
+            <a:r>
+              <a:rPr lang="pl-PL" sz="1000" dirty="0"/>
+              <a:t>            return "środa";</a:t>
+            </a:r>
+          </a:p>
+          <a:p>
+            <a:pPr marL="0" indent="0">
+              <a:spcBef>
+                <a:spcPts val="300"/>
+              </a:spcBef>
+              <a:buNone/>
+            </a:pPr>
+            <a:r>
+              <a:rPr lang="pl-PL" sz="1000" dirty="0"/>
+              <a:t>            </a:t>
+            </a:r>
+            <a:r>
+              <a:rPr lang="pl-PL" sz="1000" dirty="0" err="1"/>
+              <a:t>break</a:t>
+            </a:r>
+            <a:r>
+              <a:rPr lang="pl-PL" sz="1000" dirty="0"/>
+              <a:t>;</a:t>
+            </a:r>
+          </a:p>
+          <a:p>
+            <a:pPr marL="0" indent="0">
+              <a:spcBef>
+                <a:spcPts val="300"/>
+              </a:spcBef>
+              <a:buNone/>
+            </a:pPr>
+            <a:r>
+              <a:rPr lang="pl-PL" sz="1000" dirty="0"/>
+              <a:t>        </a:t>
+            </a:r>
+            <a:r>
+              <a:rPr lang="pl-PL" sz="1000" dirty="0" err="1"/>
+              <a:t>case</a:t>
+            </a:r>
+            <a:r>
+              <a:rPr lang="pl-PL" sz="1000" dirty="0"/>
+              <a:t> 4:</a:t>
+            </a:r>
+          </a:p>
+          <a:p>
+            <a:pPr marL="0" indent="0">
+              <a:spcBef>
+                <a:spcPts val="300"/>
+              </a:spcBef>
+              <a:buNone/>
+            </a:pPr>
+            <a:r>
+              <a:rPr lang="pl-PL" sz="1000" dirty="0"/>
+              <a:t>            return "czwartek";</a:t>
+            </a:r>
+          </a:p>
+          <a:p>
+            <a:pPr marL="0" indent="0">
+              <a:spcBef>
+                <a:spcPts val="300"/>
+              </a:spcBef>
+              <a:buNone/>
+            </a:pPr>
+            <a:r>
+              <a:rPr lang="pl-PL" sz="1000" dirty="0"/>
+              <a:t>            </a:t>
+            </a:r>
+            <a:r>
+              <a:rPr lang="pl-PL" sz="1000" dirty="0" err="1"/>
+              <a:t>break</a:t>
+            </a:r>
+            <a:r>
+              <a:rPr lang="pl-PL" sz="1000" dirty="0"/>
+              <a:t>;</a:t>
+            </a:r>
+          </a:p>
+          <a:p>
+            <a:pPr marL="0" indent="0">
+              <a:spcBef>
+                <a:spcPts val="300"/>
+              </a:spcBef>
+              <a:buNone/>
+            </a:pPr>
+            <a:r>
+              <a:rPr lang="pl-PL" sz="1000" dirty="0"/>
+              <a:t>        </a:t>
+            </a:r>
+            <a:r>
+              <a:rPr lang="pl-PL" sz="1000" dirty="0" err="1"/>
+              <a:t>case</a:t>
+            </a:r>
+            <a:r>
+              <a:rPr lang="pl-PL" sz="1000" dirty="0"/>
+              <a:t> 5:</a:t>
+            </a:r>
+          </a:p>
+          <a:p>
+            <a:pPr marL="0" indent="0">
+              <a:spcBef>
+                <a:spcPts val="300"/>
+              </a:spcBef>
+              <a:buNone/>
+            </a:pPr>
+            <a:r>
+              <a:rPr lang="pl-PL" sz="1000" dirty="0"/>
+              <a:t>            return "piątek";</a:t>
+            </a:r>
+          </a:p>
+          <a:p>
+            <a:pPr marL="0" indent="0">
+              <a:spcBef>
+                <a:spcPts val="300"/>
+              </a:spcBef>
+              <a:buNone/>
+            </a:pPr>
+            <a:r>
+              <a:rPr lang="pl-PL" sz="1000" dirty="0"/>
+              <a:t>            </a:t>
+            </a:r>
+            <a:r>
+              <a:rPr lang="pl-PL" sz="1000" dirty="0" err="1"/>
+              <a:t>break</a:t>
+            </a:r>
+            <a:r>
+              <a:rPr lang="pl-PL" sz="1000" dirty="0"/>
+              <a:t>;</a:t>
+            </a:r>
+          </a:p>
+          <a:p>
+            <a:pPr marL="0" indent="0">
+              <a:spcBef>
+                <a:spcPts val="300"/>
+              </a:spcBef>
+              <a:buNone/>
+            </a:pPr>
+            <a:r>
+              <a:rPr lang="pl-PL" sz="1000" dirty="0"/>
+              <a:t>        </a:t>
+            </a:r>
+            <a:r>
+              <a:rPr lang="pl-PL" sz="1000" dirty="0" err="1"/>
+              <a:t>case</a:t>
+            </a:r>
+            <a:r>
+              <a:rPr lang="pl-PL" sz="1000" dirty="0"/>
+              <a:t> 6:</a:t>
+            </a:r>
+          </a:p>
+          <a:p>
+            <a:pPr marL="0" indent="0">
+              <a:spcBef>
+                <a:spcPts val="300"/>
+              </a:spcBef>
+              <a:buNone/>
+            </a:pPr>
+            <a:r>
+              <a:rPr lang="pl-PL" sz="1000" dirty="0"/>
+              <a:t>            </a:t>
+            </a:r>
+            <a:r>
+              <a:rPr lang="pl-PL" sz="1000" dirty="0" err="1"/>
+              <a:t>throw</a:t>
+            </a:r>
+            <a:r>
+              <a:rPr lang="pl-PL" sz="1000" dirty="0"/>
+              <a:t> </a:t>
+            </a:r>
+            <a:r>
+              <a:rPr lang="pl-PL" sz="1000" dirty="0" err="1"/>
+              <a:t>new</a:t>
+            </a:r>
+            <a:r>
+              <a:rPr lang="pl-PL" sz="1000" dirty="0"/>
+              <a:t> </a:t>
+            </a:r>
+            <a:r>
+              <a:rPr lang="pl-PL" sz="1000" dirty="0" err="1"/>
+              <a:t>System.Exception</a:t>
+            </a:r>
+            <a:r>
+              <a:rPr lang="pl-PL" sz="1000" dirty="0"/>
+              <a:t>(„6 dzień tygodnia ja rozpalony 		   jak pochodnia");</a:t>
+            </a:r>
+          </a:p>
+          <a:p>
+            <a:pPr marL="0" indent="0">
+              <a:spcBef>
+                <a:spcPts val="300"/>
+              </a:spcBef>
+              <a:buNone/>
+            </a:pPr>
+            <a:r>
+              <a:rPr lang="pl-PL" sz="1000" dirty="0"/>
+              <a:t>            </a:t>
+            </a:r>
+            <a:r>
+              <a:rPr lang="pl-PL" sz="1000" dirty="0" err="1"/>
+              <a:t>break</a:t>
+            </a:r>
+            <a:r>
+              <a:rPr lang="pl-PL" sz="1000" dirty="0"/>
+              <a:t>;</a:t>
+            </a:r>
+          </a:p>
+          <a:p>
+            <a:pPr marL="0" indent="0">
+              <a:spcBef>
+                <a:spcPts val="300"/>
+              </a:spcBef>
+              <a:buNone/>
+            </a:pPr>
+            <a:r>
+              <a:rPr lang="pl-PL" sz="1000" dirty="0"/>
+              <a:t>        </a:t>
+            </a:r>
+            <a:r>
+              <a:rPr lang="pl-PL" sz="1000" dirty="0" err="1"/>
+              <a:t>case</a:t>
+            </a:r>
+            <a:r>
+              <a:rPr lang="pl-PL" sz="1000" dirty="0"/>
+              <a:t> 7:</a:t>
+            </a:r>
+          </a:p>
+          <a:p>
+            <a:pPr marL="0" indent="0">
+              <a:spcBef>
+                <a:spcPts val="300"/>
+              </a:spcBef>
+              <a:buNone/>
+            </a:pPr>
+            <a:r>
+              <a:rPr lang="pl-PL" sz="1000" dirty="0"/>
+              <a:t>            </a:t>
+            </a:r>
+            <a:r>
+              <a:rPr lang="pl-PL" sz="1000" dirty="0" err="1"/>
+              <a:t>throw</a:t>
+            </a:r>
+            <a:r>
+              <a:rPr lang="pl-PL" sz="1000" dirty="0"/>
+              <a:t> </a:t>
+            </a:r>
+            <a:r>
+              <a:rPr lang="pl-PL" sz="1000" dirty="0" err="1"/>
+              <a:t>new</a:t>
+            </a:r>
+            <a:r>
+              <a:rPr lang="pl-PL" sz="1000" dirty="0"/>
+              <a:t> </a:t>
+            </a:r>
+            <a:r>
+              <a:rPr lang="pl-PL" sz="1000" dirty="0" err="1"/>
+              <a:t>EndOfStreamException</a:t>
+            </a:r>
+            <a:endParaRPr lang="pl-PL" sz="1000" dirty="0"/>
+          </a:p>
+          <a:p>
+            <a:pPr marL="0" indent="0">
+              <a:spcBef>
+                <a:spcPts val="300"/>
+              </a:spcBef>
+              <a:buNone/>
+            </a:pPr>
+            <a:r>
+              <a:rPr lang="pl-PL" sz="1000" dirty="0"/>
+              <a:t>            („Boży dzień, do kościoła czas");</a:t>
+            </a:r>
+          </a:p>
+          <a:p>
+            <a:pPr marL="0" indent="0">
+              <a:spcBef>
+                <a:spcPts val="300"/>
+              </a:spcBef>
+              <a:buNone/>
+            </a:pPr>
+            <a:r>
+              <a:rPr lang="pl-PL" sz="1000" dirty="0"/>
+              <a:t>            </a:t>
+            </a:r>
+            <a:r>
+              <a:rPr lang="pl-PL" sz="1000" dirty="0" err="1"/>
+              <a:t>break</a:t>
+            </a:r>
+            <a:r>
+              <a:rPr lang="pl-PL" sz="1000" dirty="0"/>
+              <a:t>;</a:t>
+            </a:r>
+          </a:p>
+          <a:p>
+            <a:pPr marL="0" indent="0">
+              <a:spcBef>
+                <a:spcPts val="300"/>
+              </a:spcBef>
+              <a:buNone/>
+            </a:pPr>
+            <a:r>
+              <a:rPr lang="pl-PL" sz="1000" dirty="0"/>
+              <a:t>        </a:t>
+            </a:r>
+            <a:r>
+              <a:rPr lang="pl-PL" sz="1000" dirty="0" err="1"/>
+              <a:t>default</a:t>
+            </a:r>
+            <a:r>
+              <a:rPr lang="pl-PL" sz="1000" dirty="0"/>
+              <a:t>:</a:t>
+            </a:r>
+          </a:p>
+          <a:p>
+            <a:pPr marL="0" indent="0">
+              <a:spcBef>
+                <a:spcPts val="300"/>
+              </a:spcBef>
+              <a:buNone/>
+            </a:pPr>
+            <a:r>
+              <a:rPr lang="pl-PL" sz="1000" dirty="0"/>
+              <a:t>            </a:t>
+            </a:r>
+            <a:r>
+              <a:rPr lang="pl-PL" sz="1000" dirty="0" err="1"/>
+              <a:t>throw</a:t>
+            </a:r>
+            <a:r>
+              <a:rPr lang="pl-PL" sz="1000" dirty="0"/>
+              <a:t> </a:t>
+            </a:r>
+            <a:r>
+              <a:rPr lang="pl-PL" sz="1000" dirty="0" err="1"/>
+              <a:t>new</a:t>
+            </a:r>
+            <a:r>
+              <a:rPr lang="pl-PL" sz="1000" dirty="0"/>
+              <a:t> </a:t>
+            </a:r>
+            <a:r>
+              <a:rPr lang="pl-PL" sz="1000" dirty="0" err="1"/>
+              <a:t>ArgumentOutOfRangeException</a:t>
+            </a:r>
+            <a:endParaRPr lang="pl-PL" sz="1000" dirty="0"/>
+          </a:p>
+          <a:p>
+            <a:pPr marL="0" indent="0">
+              <a:spcBef>
+                <a:spcPts val="300"/>
+              </a:spcBef>
+              <a:buNone/>
+            </a:pPr>
+            <a:r>
+              <a:rPr lang="pl-PL" sz="1000" dirty="0"/>
+              <a:t>            ("Liczba musi być z przedziału od 1 do 7");   </a:t>
+            </a:r>
+          </a:p>
+          <a:p>
+            <a:pPr marL="0" indent="0">
+              <a:spcBef>
+                <a:spcPts val="300"/>
+              </a:spcBef>
+              <a:buNone/>
+            </a:pPr>
+            <a:r>
+              <a:rPr lang="pl-PL" sz="1000" dirty="0"/>
+              <a:t>    }</a:t>
+            </a:r>
+          </a:p>
+          <a:p>
+            <a:pPr marL="0" indent="0">
+              <a:spcBef>
+                <a:spcPts val="300"/>
+              </a:spcBef>
+              <a:buNone/>
+            </a:pPr>
+            <a:r>
+              <a:rPr lang="pl-PL" sz="1000" dirty="0"/>
+              <a:t>}</a:t>
+            </a:r>
+          </a:p>
+        </p:txBody>
+      </p:sp>
+      <p:sp>
+        <p:nvSpPr>
+          <p:cNvPr id="4" name="Prostokąt 3">
+            <a:extLst>
+              <a:ext uri="{FF2B5EF4-FFF2-40B4-BE49-F238E27FC236}">
+                <a16:creationId xmlns:a16="http://schemas.microsoft.com/office/drawing/2014/main" id="{CBAC5349-BB0A-4D4E-B5DA-2EF770D412EC}"/>
+              </a:ext>
+            </a:extLst>
+          </p:cNvPr>
+          <p:cNvSpPr/>
+          <p:nvPr/>
+        </p:nvSpPr>
+        <p:spPr>
+          <a:xfrm>
+            <a:off x="5755341" y="3120182"/>
+            <a:ext cx="6096000" cy="2308324"/>
+          </a:xfrm>
+          <a:prstGeom prst="rect">
+            <a:avLst/>
+          </a:prstGeom>
+        </p:spPr>
+        <p:txBody>
+          <a:bodyPr>
+            <a:spAutoFit/>
+          </a:bodyPr>
+          <a:lstStyle/>
+          <a:p>
+            <a:r>
+              <a:rPr lang="pl-PL" dirty="0" err="1"/>
+              <a:t>try</a:t>
+            </a:r>
+            <a:r>
+              <a:rPr lang="pl-PL" dirty="0"/>
+              <a:t> </a:t>
+            </a:r>
+          </a:p>
+          <a:p>
+            <a:r>
+              <a:rPr lang="pl-PL" dirty="0"/>
+              <a:t>{</a:t>
+            </a:r>
+          </a:p>
+          <a:p>
+            <a:r>
+              <a:rPr lang="pl-PL" dirty="0"/>
+              <a:t>    </a:t>
+            </a:r>
+            <a:r>
+              <a:rPr lang="pl-PL" dirty="0" err="1"/>
+              <a:t>DzienTygodnia</a:t>
+            </a:r>
+            <a:r>
+              <a:rPr lang="pl-PL" dirty="0"/>
+              <a:t>(</a:t>
+            </a:r>
+            <a:r>
+              <a:rPr lang="pl-PL" dirty="0" err="1"/>
+              <a:t>int.Parse</a:t>
+            </a:r>
+            <a:r>
+              <a:rPr lang="pl-PL" dirty="0"/>
+              <a:t>(</a:t>
+            </a:r>
+            <a:r>
+              <a:rPr lang="pl-PL" dirty="0" err="1"/>
+              <a:t>Console.ReadLine</a:t>
+            </a:r>
+            <a:r>
+              <a:rPr lang="pl-PL" dirty="0"/>
+              <a:t>()));</a:t>
+            </a:r>
+          </a:p>
+          <a:p>
+            <a:r>
+              <a:rPr lang="pl-PL" dirty="0"/>
+              <a:t>}</a:t>
+            </a:r>
+          </a:p>
+          <a:p>
+            <a:r>
+              <a:rPr lang="pl-PL" dirty="0" err="1"/>
+              <a:t>catch</a:t>
+            </a:r>
+            <a:r>
+              <a:rPr lang="pl-PL" dirty="0"/>
+              <a:t> (</a:t>
+            </a:r>
+            <a:r>
+              <a:rPr lang="pl-PL" dirty="0" err="1"/>
+              <a:t>Exception</a:t>
+            </a:r>
+            <a:r>
+              <a:rPr lang="pl-PL" dirty="0"/>
+              <a:t> ex)</a:t>
+            </a:r>
+          </a:p>
+          <a:p>
+            <a:r>
+              <a:rPr lang="pl-PL" dirty="0"/>
+              <a:t>{</a:t>
+            </a:r>
+          </a:p>
+          <a:p>
+            <a:r>
+              <a:rPr lang="pl-PL" dirty="0"/>
+              <a:t>    </a:t>
+            </a:r>
+            <a:r>
+              <a:rPr lang="pl-PL" dirty="0" err="1"/>
+              <a:t>Console.WriteLine</a:t>
+            </a:r>
+            <a:r>
+              <a:rPr lang="pl-PL" dirty="0"/>
+              <a:t>(</a:t>
+            </a:r>
+            <a:r>
+              <a:rPr lang="pl-PL" dirty="0" err="1"/>
+              <a:t>ex.Message</a:t>
+            </a:r>
+            <a:r>
+              <a:rPr lang="pl-PL" dirty="0"/>
+              <a:t>);</a:t>
+            </a:r>
+          </a:p>
+          <a:p>
+            <a:r>
+              <a:rPr lang="pl-PL" dirty="0"/>
+              <a:t>};</a:t>
+            </a:r>
+          </a:p>
+        </p:txBody>
+      </p:sp>
+    </p:spTree>
+    <p:extLst>
+      <p:ext uri="{BB962C8B-B14F-4D97-AF65-F5344CB8AC3E}">
+        <p14:creationId xmlns:p14="http://schemas.microsoft.com/office/powerpoint/2010/main" val="1241473849"/>
+      </p:ext>
+    </p:extLst>
+  </p:cSld>
+  <p:clrMapOvr>
+    <a:masterClrMapping/>
+  </p:clrMapOvr>
+</p:sld>
+</file>
+
+<file path=ppt/slides/slide9.xml><?xml version="1.0" encoding="utf-8"?>
+<p:sld xmlns:a="http://schemas.openxmlformats.org/drawingml/2006/main" xmlns:r="http://schemas.openxmlformats.org/officeDocument/2006/relationships" xmlns:p="http://schemas.openxmlformats.org/presentationml/2006/main">
+  <p:cSld>
+    <p:spTree>
+      <p:nvGrpSpPr>
+        <p:cNvPr id="1" name=""/>
+        <p:cNvGrpSpPr/>
+        <p:nvPr/>
+      </p:nvGrpSpPr>
+      <p:grpSpPr>
+        <a:xfrm>
+          <a:off x="0" y="0"/>
+          <a:ext cx="0" cy="0"/>
+          <a:chOff x="0" y="0"/>
+          <a:chExt cx="0" cy="0"/>
+        </a:xfrm>
+      </p:grpSpPr>
+      <p:sp>
+        <p:nvSpPr>
+          <p:cNvPr id="2" name="Tytuł 1">
+            <a:extLst>
+              <a:ext uri="{FF2B5EF4-FFF2-40B4-BE49-F238E27FC236}">
+                <a16:creationId xmlns:a16="http://schemas.microsoft.com/office/drawing/2014/main" id="{C6403685-0B98-477F-A5EC-79F38F3E5256}"/>
+              </a:ext>
+            </a:extLst>
+          </p:cNvPr>
+          <p:cNvSpPr>
+            <a:spLocks noGrp="1"/>
+          </p:cNvSpPr>
+          <p:nvPr>
+            <p:ph type="title"/>
+          </p:nvPr>
+        </p:nvSpPr>
+        <p:spPr/>
+        <p:txBody>
+          <a:bodyPr/>
+          <a:lstStyle/>
+          <a:p>
+            <a:endParaRPr lang="pl-PL"/>
+          </a:p>
+        </p:txBody>
+      </p:sp>
+      <p:sp>
+        <p:nvSpPr>
+          <p:cNvPr id="3" name="Symbol zastępczy zawartości 2">
+            <a:extLst>
+              <a:ext uri="{FF2B5EF4-FFF2-40B4-BE49-F238E27FC236}">
+                <a16:creationId xmlns:a16="http://schemas.microsoft.com/office/drawing/2014/main" id="{40533C4B-379D-450A-86C2-ED4A45834063}"/>
+              </a:ext>
+            </a:extLst>
+          </p:cNvPr>
+          <p:cNvSpPr>
+            <a:spLocks noGrp="1"/>
+          </p:cNvSpPr>
+          <p:nvPr>
+            <p:ph idx="1"/>
+          </p:nvPr>
+        </p:nvSpPr>
+        <p:spPr/>
+        <p:txBody>
+          <a:bodyPr>
+            <a:normAutofit/>
+          </a:bodyPr>
+          <a:lstStyle/>
+          <a:p>
+            <a:pPr marL="0" indent="0">
+              <a:buNone/>
+            </a:pPr>
+            <a:endParaRPr lang="pl-PL" sz="2400" dirty="0"/>
+          </a:p>
+          <a:p>
+            <a:pPr marL="0" indent="0">
+              <a:buNone/>
+            </a:pPr>
+            <a:endParaRPr lang="pl-PL" sz="2400" dirty="0"/>
+          </a:p>
+          <a:p>
+            <a:pPr marL="0" indent="0">
+              <a:buNone/>
+            </a:pPr>
+            <a:endParaRPr lang="pl-PL" sz="4400" b="1" i="1" dirty="0"/>
+          </a:p>
+          <a:p>
+            <a:pPr marL="0" indent="0">
+              <a:buNone/>
+            </a:pPr>
+            <a:r>
+              <a:rPr lang="pl-PL" sz="4400" b="1" i="1" dirty="0"/>
+              <a:t>Dziękuję za uwagę</a:t>
+            </a:r>
+          </a:p>
+        </p:txBody>
+      </p:sp>
+      <p:pic>
+        <p:nvPicPr>
+          <p:cNvPr id="1026" name="Picture 2" descr="Wyjątki - GEEK">
+            <a:extLst>
+              <a:ext uri="{FF2B5EF4-FFF2-40B4-BE49-F238E27FC236}">
+                <a16:creationId xmlns:a16="http://schemas.microsoft.com/office/drawing/2014/main" id="{ED6C69CF-F595-472D-8798-C9D18789B95C}"/>
+              </a:ext>
+            </a:extLst>
+          </p:cNvPr>
+          <p:cNvPicPr>
+            <a:picLocks noChangeAspect="1" noChangeArrowheads="1"/>
+          </p:cNvPicPr>
+          <p:nvPr/>
+        </p:nvPicPr>
+        <p:blipFill>
+          <a:blip r:embed="rId2">
+            <a:extLst>
+              <a:ext uri="{28A0092B-C50C-407E-A947-70E740481C1C}">
+                <a14:useLocalDpi xmlns:a14="http://schemas.microsoft.com/office/drawing/2010/main" val="0"/>
+              </a:ext>
+            </a:extLst>
+          </a:blip>
+          <a:srcRect/>
+          <a:stretch>
+            <a:fillRect/>
+          </a:stretch>
+        </p:blipFill>
+        <p:spPr bwMode="auto">
+          <a:xfrm>
+            <a:off x="5351929" y="2423618"/>
+            <a:ext cx="6840071" cy="4332046"/>
+          </a:xfrm>
+          <a:prstGeom prst="rect">
+            <a:avLst/>
+          </a:prstGeom>
+          <a:noFill/>
+          <a:extLst>
+            <a:ext uri="{909E8E84-426E-40DD-AFC4-6F175D3DCCD1}">
+              <a14:hiddenFill xmlns:a14="http://schemas.microsoft.com/office/drawing/2010/main">
+                <a:solidFill>
+                  <a:srgbClr val="FFFFFF"/>
+                </a:solidFill>
+              </a14:hiddenFill>
+            </a:ext>
+          </a:extLst>
+        </p:spPr>
+      </p:pic>
+    </p:spTree>
+    <p:extLst>
+      <p:ext uri="{BB962C8B-B14F-4D97-AF65-F5344CB8AC3E}">
+        <p14:creationId xmlns:p14="http://schemas.microsoft.com/office/powerpoint/2010/main" val="3504411183"/>
+      </p:ext>
+    </p:extLst>
+  </p:cSld>
+  <p:clrMapOvr>
+    <a:masterClrMapping/>
+  </p:clrMapOvr>
+</p:sld>
+</file>
+
 <file path=ppt/theme/theme1.xml><?xml version="1.0" encoding="utf-8"?>
 <a:theme xmlns:a="http://schemas.openxmlformats.org/drawingml/2006/main" name="Motyw pakietu Office">
   <a:themeElements>
